--- a/courseMaterial/Objective-6-Describing and Using Objects and Classes/Describing and Using Objects and Classes.pptx
+++ b/courseMaterial/Objective-6-Describing and Using Objects and Classes/Describing and Using Objects and Classes.pptx
@@ -123,10 +123,10 @@
   </p:defaultTextStyle>
   <p:extLst>
     <p:ext uri="{EFAFB233-063F-42B5-8137-9DF3F51BA10A}">
-      <p15:sldGuideLst xmlns:p15="http://schemas.microsoft.com/office/powerpoint/2012/main" xmlns=""/>
+      <p15:sldGuideLst xmlns="" xmlns:p15="http://schemas.microsoft.com/office/powerpoint/2012/main"/>
     </p:ext>
     <p:ext uri="{2D200454-40CA-4A62-9FC3-DE9A4176ACB9}">
-      <p15:notesGuideLst xmlns:p15="http://schemas.microsoft.com/office/powerpoint/2012/main" xmlns=""/>
+      <p15:notesGuideLst xmlns="" xmlns:p15="http://schemas.microsoft.com/office/powerpoint/2012/main"/>
     </p:ext>
   </p:extLst>
 </p:presentation>
@@ -159,7 +159,7 @@
           <p:cNvPr id="2" name="Header Placeholder 1">
             <a:extLst>
               <a:ext uri="{FF2B5EF4-FFF2-40B4-BE49-F238E27FC236}">
-                <a16:creationId xmlns:a16="http://schemas.microsoft.com/office/drawing/2014/main" xmlns="" id="{2BC10188-DC2C-458D-AB41-143A0BE9A310}"/>
+                <a16:creationId xmlns="" xmlns:a16="http://schemas.microsoft.com/office/drawing/2014/main" id="{2BC10188-DC2C-458D-AB41-143A0BE9A310}"/>
               </a:ext>
             </a:extLst>
           </p:cNvPr>
@@ -196,7 +196,7 @@
           <p:cNvPr id="3" name="Date Placeholder 2">
             <a:extLst>
               <a:ext uri="{FF2B5EF4-FFF2-40B4-BE49-F238E27FC236}">
-                <a16:creationId xmlns:a16="http://schemas.microsoft.com/office/drawing/2014/main" xmlns="" id="{C9634E15-7196-43FC-B912-C4D8B4A2CE79}"/>
+                <a16:creationId xmlns="" xmlns:a16="http://schemas.microsoft.com/office/drawing/2014/main" id="{C9634E15-7196-43FC-B912-C4D8B4A2CE79}"/>
               </a:ext>
             </a:extLst>
           </p:cNvPr>
@@ -227,7 +227,7 @@
             <a:fld id="{68416927-5E9C-4E77-85FE-EE4C81C1DE39}" type="datetimeFigureOut">
               <a:rPr lang="en-US" smtClean="0"/>
               <a:pPr/>
-              <a:t>4/20/2020</a:t>
+              <a:t>4/28/2020</a:t>
             </a:fld>
             <a:endParaRPr lang="en-US" dirty="0"/>
           </a:p>
@@ -238,7 +238,7 @@
           <p:cNvPr id="4" name="Footer Placeholder 3">
             <a:extLst>
               <a:ext uri="{FF2B5EF4-FFF2-40B4-BE49-F238E27FC236}">
-                <a16:creationId xmlns:a16="http://schemas.microsoft.com/office/drawing/2014/main" xmlns="" id="{89EA2570-D5B6-41CB-96C2-FFC9944668E5}"/>
+                <a16:creationId xmlns="" xmlns:a16="http://schemas.microsoft.com/office/drawing/2014/main" id="{89EA2570-D5B6-41CB-96C2-FFC9944668E5}"/>
               </a:ext>
             </a:extLst>
           </p:cNvPr>
@@ -275,7 +275,7 @@
           <p:cNvPr id="5" name="Slide Number Placeholder 4">
             <a:extLst>
               <a:ext uri="{FF2B5EF4-FFF2-40B4-BE49-F238E27FC236}">
-                <a16:creationId xmlns:a16="http://schemas.microsoft.com/office/drawing/2014/main" xmlns="" id="{15C31B37-7A69-4C30-9B63-29F8242FC246}"/>
+                <a16:creationId xmlns="" xmlns:a16="http://schemas.microsoft.com/office/drawing/2014/main" id="{15C31B37-7A69-4C30-9B63-29F8242FC246}"/>
               </a:ext>
             </a:extLst>
           </p:cNvPr>
@@ -315,7 +315,7 @@
     </p:spTree>
     <p:extLst>
       <p:ext uri="{BB962C8B-B14F-4D97-AF65-F5344CB8AC3E}">
-        <p14:creationId xmlns:p14="http://schemas.microsoft.com/office/powerpoint/2010/main" xmlns="" val="2413100067"/>
+        <p14:creationId xmlns="" xmlns:p14="http://schemas.microsoft.com/office/powerpoint/2010/main" val="2413100067"/>
       </p:ext>
     </p:extLst>
   </p:cSld>
@@ -406,7 +406,7 @@
             <a:fld id="{FA798B7E-6604-4F74-86DB-B30627D56244}" type="datetimeFigureOut">
               <a:rPr lang="en-US" smtClean="0"/>
               <a:pPr/>
-              <a:t>4/20/2020</a:t>
+              <a:t>4/28/2020</a:t>
             </a:fld>
             <a:endParaRPr lang="en-US" dirty="0"/>
           </a:p>
@@ -574,7 +574,7 @@
     </p:spTree>
     <p:extLst>
       <p:ext uri="{BB962C8B-B14F-4D97-AF65-F5344CB8AC3E}">
-        <p14:creationId xmlns:p14="http://schemas.microsoft.com/office/powerpoint/2010/main" xmlns="" val="2075933273"/>
+        <p14:creationId xmlns="" xmlns:p14="http://schemas.microsoft.com/office/powerpoint/2010/main" val="2075933273"/>
       </p:ext>
     </p:extLst>
   </p:cSld>
@@ -696,7 +696,7 @@
           <p:cNvPr id="2" name="Title 1">
             <a:extLst>
               <a:ext uri="{FF2B5EF4-FFF2-40B4-BE49-F238E27FC236}">
-                <a16:creationId xmlns:a16="http://schemas.microsoft.com/office/drawing/2014/main" xmlns="" id="{E5798B13-3B32-4354-B2B5-3165F2F6E65F}"/>
+                <a16:creationId xmlns="" xmlns:a16="http://schemas.microsoft.com/office/drawing/2014/main" id="{E5798B13-3B32-4354-B2B5-3165F2F6E65F}"/>
               </a:ext>
             </a:extLst>
           </p:cNvPr>
@@ -739,7 +739,7 @@
           <p:cNvPr id="4" name="Text Placeholder 3">
             <a:extLst>
               <a:ext uri="{FF2B5EF4-FFF2-40B4-BE49-F238E27FC236}">
-                <a16:creationId xmlns:a16="http://schemas.microsoft.com/office/drawing/2014/main" xmlns="" id="{16BB88CF-DF4F-4857-8602-72BCF5DDCDA1}"/>
+                <a16:creationId xmlns="" xmlns:a16="http://schemas.microsoft.com/office/drawing/2014/main" id="{16BB88CF-DF4F-4857-8602-72BCF5DDCDA1}"/>
               </a:ext>
             </a:extLst>
           </p:cNvPr>
@@ -810,7 +810,7 @@
           <p:cNvPr id="12" name="Straight Connector 11">
             <a:extLst>
               <a:ext uri="{FF2B5EF4-FFF2-40B4-BE49-F238E27FC236}">
-                <a16:creationId xmlns:a16="http://schemas.microsoft.com/office/drawing/2014/main" xmlns="" id="{A7EEBB7C-1679-4665-8688-1FA973E73DC1}"/>
+                <a16:creationId xmlns="" xmlns:a16="http://schemas.microsoft.com/office/drawing/2014/main" id="{A7EEBB7C-1679-4665-8688-1FA973E73DC1}"/>
               </a:ext>
             </a:extLst>
           </p:cNvPr>
@@ -862,7 +862,7 @@
           <p:cNvPr id="7" name="Rectangle 6">
             <a:extLst>
               <a:ext uri="{FF2B5EF4-FFF2-40B4-BE49-F238E27FC236}">
-                <a16:creationId xmlns:a16="http://schemas.microsoft.com/office/drawing/2014/main" xmlns="" id="{F1E3214F-3A93-4A1C-920D-D86BE35A58FB}"/>
+                <a16:creationId xmlns="" xmlns:a16="http://schemas.microsoft.com/office/drawing/2014/main" id="{F1E3214F-3A93-4A1C-920D-D86BE35A58FB}"/>
               </a:ext>
             </a:extLst>
           </p:cNvPr>
@@ -917,7 +917,7 @@
           <p:cNvPr id="3" name="Slide Number Placeholder 2">
             <a:extLst>
               <a:ext uri="{FF2B5EF4-FFF2-40B4-BE49-F238E27FC236}">
-                <a16:creationId xmlns:a16="http://schemas.microsoft.com/office/drawing/2014/main" xmlns="" id="{213E97E5-C83B-444A-8C07-35D699E7C342}"/>
+                <a16:creationId xmlns="" xmlns:a16="http://schemas.microsoft.com/office/drawing/2014/main" id="{213E97E5-C83B-444A-8C07-35D699E7C342}"/>
               </a:ext>
             </a:extLst>
           </p:cNvPr>
@@ -949,7 +949,7 @@
     </p:spTree>
     <p:extLst>
       <p:ext uri="{BB962C8B-B14F-4D97-AF65-F5344CB8AC3E}">
-        <p14:creationId xmlns:p14="http://schemas.microsoft.com/office/powerpoint/2010/main" xmlns="" val="2226532245"/>
+        <p14:creationId xmlns="" xmlns:p14="http://schemas.microsoft.com/office/powerpoint/2010/main" val="2226532245"/>
       </p:ext>
     </p:extLst>
   </p:cSld>
@@ -981,7 +981,7 @@
           <p:cNvPr id="2" name="Title 1">
             <a:extLst>
               <a:ext uri="{FF2B5EF4-FFF2-40B4-BE49-F238E27FC236}">
-                <a16:creationId xmlns:a16="http://schemas.microsoft.com/office/drawing/2014/main" xmlns="" id="{0D1AB651-5612-4E6A-9B35-A555D082EC2F}"/>
+                <a16:creationId xmlns="" xmlns:a16="http://schemas.microsoft.com/office/drawing/2014/main" id="{0D1AB651-5612-4E6A-9B35-A555D082EC2F}"/>
               </a:ext>
             </a:extLst>
           </p:cNvPr>
@@ -1010,7 +1010,7 @@
           <p:cNvPr id="3" name="Content Placeholder 2">
             <a:extLst>
               <a:ext uri="{FF2B5EF4-FFF2-40B4-BE49-F238E27FC236}">
-                <a16:creationId xmlns:a16="http://schemas.microsoft.com/office/drawing/2014/main" xmlns="" id="{881389A2-D77B-40CA-AD1E-0178AEFAD15A}"/>
+                <a16:creationId xmlns="" xmlns:a16="http://schemas.microsoft.com/office/drawing/2014/main" id="{881389A2-D77B-40CA-AD1E-0178AEFAD15A}"/>
               </a:ext>
             </a:extLst>
           </p:cNvPr>
@@ -1091,7 +1091,7 @@
           <p:cNvPr id="4" name="Content Placeholder 3">
             <a:extLst>
               <a:ext uri="{FF2B5EF4-FFF2-40B4-BE49-F238E27FC236}">
-                <a16:creationId xmlns:a16="http://schemas.microsoft.com/office/drawing/2014/main" xmlns="" id="{A1DCA993-CBEA-48C5-BD35-50ABDFF64065}"/>
+                <a16:creationId xmlns="" xmlns:a16="http://schemas.microsoft.com/office/drawing/2014/main" id="{A1DCA993-CBEA-48C5-BD35-50ABDFF64065}"/>
               </a:ext>
             </a:extLst>
           </p:cNvPr>
@@ -1172,7 +1172,7 @@
           <p:cNvPr id="5" name="Slide Number Placeholder 4">
             <a:extLst>
               <a:ext uri="{FF2B5EF4-FFF2-40B4-BE49-F238E27FC236}">
-                <a16:creationId xmlns:a16="http://schemas.microsoft.com/office/drawing/2014/main" xmlns="" id="{B88ED8E0-95EC-469F-9B7E-562FBDFDE6CC}"/>
+                <a16:creationId xmlns="" xmlns:a16="http://schemas.microsoft.com/office/drawing/2014/main" id="{B88ED8E0-95EC-469F-9B7E-562FBDFDE6CC}"/>
               </a:ext>
             </a:extLst>
           </p:cNvPr>
@@ -1204,7 +1204,7 @@
     </p:spTree>
     <p:extLst>
       <p:ext uri="{BB962C8B-B14F-4D97-AF65-F5344CB8AC3E}">
-        <p14:creationId xmlns:p14="http://schemas.microsoft.com/office/powerpoint/2010/main" xmlns="" val="646344805"/>
+        <p14:creationId xmlns="" xmlns:p14="http://schemas.microsoft.com/office/powerpoint/2010/main" val="646344805"/>
       </p:ext>
     </p:extLst>
   </p:cSld>
@@ -1236,7 +1236,7 @@
           <p:cNvPr id="2" name="Title 1">
             <a:extLst>
               <a:ext uri="{FF2B5EF4-FFF2-40B4-BE49-F238E27FC236}">
-                <a16:creationId xmlns:a16="http://schemas.microsoft.com/office/drawing/2014/main" xmlns="" id="{EF776F88-2A37-410D-A685-E455AF3D07B4}"/>
+                <a16:creationId xmlns="" xmlns:a16="http://schemas.microsoft.com/office/drawing/2014/main" id="{EF776F88-2A37-410D-A685-E455AF3D07B4}"/>
               </a:ext>
             </a:extLst>
           </p:cNvPr>
@@ -1270,7 +1270,7 @@
           <p:cNvPr id="3" name="Text Placeholder 2">
             <a:extLst>
               <a:ext uri="{FF2B5EF4-FFF2-40B4-BE49-F238E27FC236}">
-                <a16:creationId xmlns:a16="http://schemas.microsoft.com/office/drawing/2014/main" xmlns="" id="{6C764B46-B015-44F7-8DC0-AFB8D275E486}"/>
+                <a16:creationId xmlns="" xmlns:a16="http://schemas.microsoft.com/office/drawing/2014/main" id="{6C764B46-B015-44F7-8DC0-AFB8D275E486}"/>
               </a:ext>
             </a:extLst>
           </p:cNvPr>
@@ -1341,7 +1341,7 @@
           <p:cNvPr id="4" name="Content Placeholder 3">
             <a:extLst>
               <a:ext uri="{FF2B5EF4-FFF2-40B4-BE49-F238E27FC236}">
-                <a16:creationId xmlns:a16="http://schemas.microsoft.com/office/drawing/2014/main" xmlns="" id="{2D3C8232-2077-497A-9142-B787E2B03A73}"/>
+                <a16:creationId xmlns="" xmlns:a16="http://schemas.microsoft.com/office/drawing/2014/main" id="{2D3C8232-2077-497A-9142-B787E2B03A73}"/>
               </a:ext>
             </a:extLst>
           </p:cNvPr>
@@ -1422,7 +1422,7 @@
           <p:cNvPr id="5" name="Text Placeholder 4">
             <a:extLst>
               <a:ext uri="{FF2B5EF4-FFF2-40B4-BE49-F238E27FC236}">
-                <a16:creationId xmlns:a16="http://schemas.microsoft.com/office/drawing/2014/main" xmlns="" id="{AAF6077C-D913-4FD0-B6E0-6D70BEFD40E6}"/>
+                <a16:creationId xmlns="" xmlns:a16="http://schemas.microsoft.com/office/drawing/2014/main" id="{AAF6077C-D913-4FD0-B6E0-6D70BEFD40E6}"/>
               </a:ext>
             </a:extLst>
           </p:cNvPr>
@@ -1493,7 +1493,7 @@
           <p:cNvPr id="6" name="Content Placeholder 5">
             <a:extLst>
               <a:ext uri="{FF2B5EF4-FFF2-40B4-BE49-F238E27FC236}">
-                <a16:creationId xmlns:a16="http://schemas.microsoft.com/office/drawing/2014/main" xmlns="" id="{43905DBB-3AA9-4435-AC97-732293FDE7EF}"/>
+                <a16:creationId xmlns="" xmlns:a16="http://schemas.microsoft.com/office/drawing/2014/main" id="{43905DBB-3AA9-4435-AC97-732293FDE7EF}"/>
               </a:ext>
             </a:extLst>
           </p:cNvPr>
@@ -1574,7 +1574,7 @@
           <p:cNvPr id="7" name="Slide Number Placeholder 6">
             <a:extLst>
               <a:ext uri="{FF2B5EF4-FFF2-40B4-BE49-F238E27FC236}">
-                <a16:creationId xmlns:a16="http://schemas.microsoft.com/office/drawing/2014/main" xmlns="" id="{1954C901-FCAF-4DFB-A621-6A969641CA73}"/>
+                <a16:creationId xmlns="" xmlns:a16="http://schemas.microsoft.com/office/drawing/2014/main" id="{1954C901-FCAF-4DFB-A621-6A969641CA73}"/>
               </a:ext>
             </a:extLst>
           </p:cNvPr>
@@ -1606,7 +1606,7 @@
     </p:spTree>
     <p:extLst>
       <p:ext uri="{BB962C8B-B14F-4D97-AF65-F5344CB8AC3E}">
-        <p14:creationId xmlns:p14="http://schemas.microsoft.com/office/powerpoint/2010/main" xmlns="" val="2292145525"/>
+        <p14:creationId xmlns="" xmlns:p14="http://schemas.microsoft.com/office/powerpoint/2010/main" val="2292145525"/>
       </p:ext>
     </p:extLst>
   </p:cSld>
@@ -1638,7 +1638,7 @@
           <p:cNvPr id="2" name="Title 1">
             <a:extLst>
               <a:ext uri="{FF2B5EF4-FFF2-40B4-BE49-F238E27FC236}">
-                <a16:creationId xmlns:a16="http://schemas.microsoft.com/office/drawing/2014/main" xmlns="" id="{99AF2623-2255-4BBA-9577-B3A3FD2AE8E8}"/>
+                <a16:creationId xmlns="" xmlns:a16="http://schemas.microsoft.com/office/drawing/2014/main" id="{99AF2623-2255-4BBA-9577-B3A3FD2AE8E8}"/>
               </a:ext>
             </a:extLst>
           </p:cNvPr>
@@ -1667,7 +1667,7 @@
           <p:cNvPr id="3" name="Slide Number Placeholder 2">
             <a:extLst>
               <a:ext uri="{FF2B5EF4-FFF2-40B4-BE49-F238E27FC236}">
-                <a16:creationId xmlns:a16="http://schemas.microsoft.com/office/drawing/2014/main" xmlns="" id="{5259F0F0-5E7C-4FC9-8E90-6ADCD7A714B6}"/>
+                <a16:creationId xmlns="" xmlns:a16="http://schemas.microsoft.com/office/drawing/2014/main" id="{5259F0F0-5E7C-4FC9-8E90-6ADCD7A714B6}"/>
               </a:ext>
             </a:extLst>
           </p:cNvPr>
@@ -1699,7 +1699,7 @@
     </p:spTree>
     <p:extLst>
       <p:ext uri="{BB962C8B-B14F-4D97-AF65-F5344CB8AC3E}">
-        <p14:creationId xmlns:p14="http://schemas.microsoft.com/office/powerpoint/2010/main" xmlns="" val="3105532259"/>
+        <p14:creationId xmlns="" xmlns:p14="http://schemas.microsoft.com/office/powerpoint/2010/main" val="3105532259"/>
       </p:ext>
     </p:extLst>
   </p:cSld>
@@ -1731,7 +1731,7 @@
           <p:cNvPr id="2" name="Slide Number Placeholder 1">
             <a:extLst>
               <a:ext uri="{FF2B5EF4-FFF2-40B4-BE49-F238E27FC236}">
-                <a16:creationId xmlns:a16="http://schemas.microsoft.com/office/drawing/2014/main" xmlns="" id="{0A9D3FFB-BE14-4D90-A515-10EDD1BEE6F1}"/>
+                <a16:creationId xmlns="" xmlns:a16="http://schemas.microsoft.com/office/drawing/2014/main" id="{0A9D3FFB-BE14-4D90-A515-10EDD1BEE6F1}"/>
               </a:ext>
             </a:extLst>
           </p:cNvPr>
@@ -1763,7 +1763,7 @@
     </p:spTree>
     <p:extLst>
       <p:ext uri="{BB962C8B-B14F-4D97-AF65-F5344CB8AC3E}">
-        <p14:creationId xmlns:p14="http://schemas.microsoft.com/office/powerpoint/2010/main" xmlns="" val="3627673970"/>
+        <p14:creationId xmlns="" xmlns:p14="http://schemas.microsoft.com/office/powerpoint/2010/main" val="3627673970"/>
       </p:ext>
     </p:extLst>
   </p:cSld>
@@ -1795,7 +1795,7 @@
           <p:cNvPr id="2" name="Title 1">
             <a:extLst>
               <a:ext uri="{FF2B5EF4-FFF2-40B4-BE49-F238E27FC236}">
-                <a16:creationId xmlns:a16="http://schemas.microsoft.com/office/drawing/2014/main" xmlns="" id="{A2451E51-BE82-4B1B-9CB6-89C26464DBE2}"/>
+                <a16:creationId xmlns="" xmlns:a16="http://schemas.microsoft.com/office/drawing/2014/main" id="{A2451E51-BE82-4B1B-9CB6-89C26464DBE2}"/>
               </a:ext>
             </a:extLst>
           </p:cNvPr>
@@ -1833,7 +1833,7 @@
           <p:cNvPr id="3" name="Content Placeholder 2">
             <a:extLst>
               <a:ext uri="{FF2B5EF4-FFF2-40B4-BE49-F238E27FC236}">
-                <a16:creationId xmlns:a16="http://schemas.microsoft.com/office/drawing/2014/main" xmlns="" id="{04CCBF8C-3CF7-47E6-9AB0-15584178B449}"/>
+                <a16:creationId xmlns="" xmlns:a16="http://schemas.microsoft.com/office/drawing/2014/main" id="{04CCBF8C-3CF7-47E6-9AB0-15584178B449}"/>
               </a:ext>
             </a:extLst>
           </p:cNvPr>
@@ -1924,7 +1924,7 @@
           <p:cNvPr id="4" name="Text Placeholder 3">
             <a:extLst>
               <a:ext uri="{FF2B5EF4-FFF2-40B4-BE49-F238E27FC236}">
-                <a16:creationId xmlns:a16="http://schemas.microsoft.com/office/drawing/2014/main" xmlns="" id="{3D07DA3C-0298-45CF-AFC3-41031C0763E3}"/>
+                <a16:creationId xmlns="" xmlns:a16="http://schemas.microsoft.com/office/drawing/2014/main" id="{3D07DA3C-0298-45CF-AFC3-41031C0763E3}"/>
               </a:ext>
             </a:extLst>
           </p:cNvPr>
@@ -1995,7 +1995,7 @@
           <p:cNvPr id="5" name="Slide Number Placeholder 4">
             <a:extLst>
               <a:ext uri="{FF2B5EF4-FFF2-40B4-BE49-F238E27FC236}">
-                <a16:creationId xmlns:a16="http://schemas.microsoft.com/office/drawing/2014/main" xmlns="" id="{F7C4FF87-D01E-416B-9EF8-E107C4EDDC42}"/>
+                <a16:creationId xmlns="" xmlns:a16="http://schemas.microsoft.com/office/drawing/2014/main" id="{F7C4FF87-D01E-416B-9EF8-E107C4EDDC42}"/>
               </a:ext>
             </a:extLst>
           </p:cNvPr>
@@ -2027,7 +2027,7 @@
     </p:spTree>
     <p:extLst>
       <p:ext uri="{BB962C8B-B14F-4D97-AF65-F5344CB8AC3E}">
-        <p14:creationId xmlns:p14="http://schemas.microsoft.com/office/powerpoint/2010/main" xmlns="" val="398533459"/>
+        <p14:creationId xmlns="" xmlns:p14="http://schemas.microsoft.com/office/powerpoint/2010/main" val="398533459"/>
       </p:ext>
     </p:extLst>
   </p:cSld>
@@ -2059,7 +2059,7 @@
           <p:cNvPr id="2" name="Title 1">
             <a:extLst>
               <a:ext uri="{FF2B5EF4-FFF2-40B4-BE49-F238E27FC236}">
-                <a16:creationId xmlns:a16="http://schemas.microsoft.com/office/drawing/2014/main" xmlns="" id="{E5798B13-3B32-4354-B2B5-3165F2F6E65F}"/>
+                <a16:creationId xmlns="" xmlns:a16="http://schemas.microsoft.com/office/drawing/2014/main" id="{E5798B13-3B32-4354-B2B5-3165F2F6E65F}"/>
               </a:ext>
             </a:extLst>
           </p:cNvPr>
@@ -2102,7 +2102,7 @@
           <p:cNvPr id="4" name="Text Placeholder 3">
             <a:extLst>
               <a:ext uri="{FF2B5EF4-FFF2-40B4-BE49-F238E27FC236}">
-                <a16:creationId xmlns:a16="http://schemas.microsoft.com/office/drawing/2014/main" xmlns="" id="{16BB88CF-DF4F-4857-8602-72BCF5DDCDA1}"/>
+                <a16:creationId xmlns="" xmlns:a16="http://schemas.microsoft.com/office/drawing/2014/main" id="{16BB88CF-DF4F-4857-8602-72BCF5DDCDA1}"/>
               </a:ext>
             </a:extLst>
           </p:cNvPr>
@@ -2173,7 +2173,7 @@
           <p:cNvPr id="12" name="Straight Connector 11">
             <a:extLst>
               <a:ext uri="{FF2B5EF4-FFF2-40B4-BE49-F238E27FC236}">
-                <a16:creationId xmlns:a16="http://schemas.microsoft.com/office/drawing/2014/main" xmlns="" id="{A7EEBB7C-1679-4665-8688-1FA973E73DC1}"/>
+                <a16:creationId xmlns="" xmlns:a16="http://schemas.microsoft.com/office/drawing/2014/main" id="{A7EEBB7C-1679-4665-8688-1FA973E73DC1}"/>
               </a:ext>
             </a:extLst>
           </p:cNvPr>
@@ -2225,7 +2225,7 @@
           <p:cNvPr id="7" name="Rectangle 6">
             <a:extLst>
               <a:ext uri="{FF2B5EF4-FFF2-40B4-BE49-F238E27FC236}">
-                <a16:creationId xmlns:a16="http://schemas.microsoft.com/office/drawing/2014/main" xmlns="" id="{F1E3214F-3A93-4A1C-920D-D86BE35A58FB}"/>
+                <a16:creationId xmlns="" xmlns:a16="http://schemas.microsoft.com/office/drawing/2014/main" id="{F1E3214F-3A93-4A1C-920D-D86BE35A58FB}"/>
               </a:ext>
             </a:extLst>
           </p:cNvPr>
@@ -2280,7 +2280,7 @@
           <p:cNvPr id="3" name="Slide Number Placeholder 2">
             <a:extLst>
               <a:ext uri="{FF2B5EF4-FFF2-40B4-BE49-F238E27FC236}">
-                <a16:creationId xmlns:a16="http://schemas.microsoft.com/office/drawing/2014/main" xmlns="" id="{213E97E5-C83B-444A-8C07-35D699E7C342}"/>
+                <a16:creationId xmlns="" xmlns:a16="http://schemas.microsoft.com/office/drawing/2014/main" id="{213E97E5-C83B-444A-8C07-35D699E7C342}"/>
               </a:ext>
             </a:extLst>
           </p:cNvPr>
@@ -2314,7 +2314,7 @@
           <p:cNvPr id="8" name="Picture Placeholder 2">
             <a:extLst>
               <a:ext uri="{FF2B5EF4-FFF2-40B4-BE49-F238E27FC236}">
-                <a16:creationId xmlns:a16="http://schemas.microsoft.com/office/drawing/2014/main" xmlns="" id="{2641ECAC-0557-4843-8433-067E4414E2F5}"/>
+                <a16:creationId xmlns="" xmlns:a16="http://schemas.microsoft.com/office/drawing/2014/main" id="{2641ECAC-0557-4843-8433-067E4414E2F5}"/>
               </a:ext>
             </a:extLst>
           </p:cNvPr>
@@ -2390,7 +2390,7 @@
     </p:spTree>
     <p:extLst>
       <p:ext uri="{BB962C8B-B14F-4D97-AF65-F5344CB8AC3E}">
-        <p14:creationId xmlns:p14="http://schemas.microsoft.com/office/powerpoint/2010/main" xmlns="" val="3394383312"/>
+        <p14:creationId xmlns="" xmlns:p14="http://schemas.microsoft.com/office/powerpoint/2010/main" val="3394383312"/>
       </p:ext>
     </p:extLst>
   </p:cSld>
@@ -2433,7 +2433,7 @@
           <p:cNvPr id="2" name="Title 1">
             <a:extLst>
               <a:ext uri="{FF2B5EF4-FFF2-40B4-BE49-F238E27FC236}">
-                <a16:creationId xmlns:a16="http://schemas.microsoft.com/office/drawing/2014/main" xmlns="" id="{FE91AD08-4E28-4191-9B62-EAD61608E5CF}"/>
+                <a16:creationId xmlns="" xmlns:a16="http://schemas.microsoft.com/office/drawing/2014/main" id="{FE91AD08-4E28-4191-9B62-EAD61608E5CF}"/>
               </a:ext>
             </a:extLst>
           </p:cNvPr>
@@ -2481,7 +2481,7 @@
           <p:cNvPr id="3" name="Content Placeholder 2">
             <a:extLst>
               <a:ext uri="{FF2B5EF4-FFF2-40B4-BE49-F238E27FC236}">
-                <a16:creationId xmlns:a16="http://schemas.microsoft.com/office/drawing/2014/main" xmlns="" id="{90BF853D-76DB-46F3-AF6C-1E77C8E06AA9}"/>
+                <a16:creationId xmlns="" xmlns:a16="http://schemas.microsoft.com/office/drawing/2014/main" id="{90BF853D-76DB-46F3-AF6C-1E77C8E06AA9}"/>
               </a:ext>
             </a:extLst>
           </p:cNvPr>
@@ -2562,7 +2562,7 @@
           <p:cNvPr id="4" name="Slide Number Placeholder 3">
             <a:extLst>
               <a:ext uri="{FF2B5EF4-FFF2-40B4-BE49-F238E27FC236}">
-                <a16:creationId xmlns:a16="http://schemas.microsoft.com/office/drawing/2014/main" xmlns="" id="{0660D61A-B9FD-4DFF-AC42-4069DAFE238C}"/>
+                <a16:creationId xmlns="" xmlns:a16="http://schemas.microsoft.com/office/drawing/2014/main" id="{0660D61A-B9FD-4DFF-AC42-4069DAFE238C}"/>
               </a:ext>
             </a:extLst>
           </p:cNvPr>
@@ -2594,7 +2594,7 @@
     </p:spTree>
     <p:extLst>
       <p:ext uri="{BB962C8B-B14F-4D97-AF65-F5344CB8AC3E}">
-        <p14:creationId xmlns:p14="http://schemas.microsoft.com/office/powerpoint/2010/main" xmlns="" val="3839236654"/>
+        <p14:creationId xmlns="" xmlns:p14="http://schemas.microsoft.com/office/powerpoint/2010/main" val="3839236654"/>
       </p:ext>
     </p:extLst>
   </p:cSld>
@@ -2637,7 +2637,7 @@
           <p:cNvPr id="2" name="Title 1">
             <a:extLst>
               <a:ext uri="{FF2B5EF4-FFF2-40B4-BE49-F238E27FC236}">
-                <a16:creationId xmlns:a16="http://schemas.microsoft.com/office/drawing/2014/main" xmlns="" id="{FE91AD08-4E28-4191-9B62-EAD61608E5CF}"/>
+                <a16:creationId xmlns="" xmlns:a16="http://schemas.microsoft.com/office/drawing/2014/main" id="{FE91AD08-4E28-4191-9B62-EAD61608E5CF}"/>
               </a:ext>
             </a:extLst>
           </p:cNvPr>
@@ -2687,7 +2687,7 @@
           <p:cNvPr id="3" name="Content Placeholder 2">
             <a:extLst>
               <a:ext uri="{FF2B5EF4-FFF2-40B4-BE49-F238E27FC236}">
-                <a16:creationId xmlns:a16="http://schemas.microsoft.com/office/drawing/2014/main" xmlns="" id="{90BF853D-76DB-46F3-AF6C-1E77C8E06AA9}"/>
+                <a16:creationId xmlns="" xmlns:a16="http://schemas.microsoft.com/office/drawing/2014/main" id="{90BF853D-76DB-46F3-AF6C-1E77C8E06AA9}"/>
               </a:ext>
             </a:extLst>
           </p:cNvPr>
@@ -2768,7 +2768,7 @@
           <p:cNvPr id="4" name="Slide Number Placeholder 3">
             <a:extLst>
               <a:ext uri="{FF2B5EF4-FFF2-40B4-BE49-F238E27FC236}">
-                <a16:creationId xmlns:a16="http://schemas.microsoft.com/office/drawing/2014/main" xmlns="" id="{0660D61A-B9FD-4DFF-AC42-4069DAFE238C}"/>
+                <a16:creationId xmlns="" xmlns:a16="http://schemas.microsoft.com/office/drawing/2014/main" id="{0660D61A-B9FD-4DFF-AC42-4069DAFE238C}"/>
               </a:ext>
             </a:extLst>
           </p:cNvPr>
@@ -2800,7 +2800,7 @@
     </p:spTree>
     <p:extLst>
       <p:ext uri="{BB962C8B-B14F-4D97-AF65-F5344CB8AC3E}">
-        <p14:creationId xmlns:p14="http://schemas.microsoft.com/office/powerpoint/2010/main" xmlns="" val="1594571051"/>
+        <p14:creationId xmlns="" xmlns:p14="http://schemas.microsoft.com/office/powerpoint/2010/main" val="1594571051"/>
       </p:ext>
     </p:extLst>
   </p:cSld>
@@ -2832,7 +2832,7 @@
           <p:cNvPr id="7" name="Picture Placeholder 2">
             <a:extLst>
               <a:ext uri="{FF2B5EF4-FFF2-40B4-BE49-F238E27FC236}">
-                <a16:creationId xmlns:a16="http://schemas.microsoft.com/office/drawing/2014/main" xmlns="" id="{6D3C5ED2-B01D-4104-B193-BC78D76A4646}"/>
+                <a16:creationId xmlns="" xmlns:a16="http://schemas.microsoft.com/office/drawing/2014/main" id="{6D3C5ED2-B01D-4104-B193-BC78D76A4646}"/>
               </a:ext>
             </a:extLst>
           </p:cNvPr>
@@ -2905,7 +2905,7 @@
           <p:cNvPr id="2" name="Title 1">
             <a:extLst>
               <a:ext uri="{FF2B5EF4-FFF2-40B4-BE49-F238E27FC236}">
-                <a16:creationId xmlns:a16="http://schemas.microsoft.com/office/drawing/2014/main" xmlns="" id="{FE91AD08-4E28-4191-9B62-EAD61608E5CF}"/>
+                <a16:creationId xmlns="" xmlns:a16="http://schemas.microsoft.com/office/drawing/2014/main" id="{FE91AD08-4E28-4191-9B62-EAD61608E5CF}"/>
               </a:ext>
             </a:extLst>
           </p:cNvPr>
@@ -2952,7 +2952,7 @@
           <p:cNvPr id="3" name="Content Placeholder 2">
             <a:extLst>
               <a:ext uri="{FF2B5EF4-FFF2-40B4-BE49-F238E27FC236}">
-                <a16:creationId xmlns:a16="http://schemas.microsoft.com/office/drawing/2014/main" xmlns="" id="{90BF853D-76DB-46F3-AF6C-1E77C8E06AA9}"/>
+                <a16:creationId xmlns="" xmlns:a16="http://schemas.microsoft.com/office/drawing/2014/main" id="{90BF853D-76DB-46F3-AF6C-1E77C8E06AA9}"/>
               </a:ext>
             </a:extLst>
           </p:cNvPr>
@@ -3033,7 +3033,7 @@
           <p:cNvPr id="4" name="Slide Number Placeholder 3">
             <a:extLst>
               <a:ext uri="{FF2B5EF4-FFF2-40B4-BE49-F238E27FC236}">
-                <a16:creationId xmlns:a16="http://schemas.microsoft.com/office/drawing/2014/main" xmlns="" id="{0660D61A-B9FD-4DFF-AC42-4069DAFE238C}"/>
+                <a16:creationId xmlns="" xmlns:a16="http://schemas.microsoft.com/office/drawing/2014/main" id="{0660D61A-B9FD-4DFF-AC42-4069DAFE238C}"/>
               </a:ext>
             </a:extLst>
           </p:cNvPr>
@@ -3070,7 +3070,7 @@
     </p:spTree>
     <p:extLst>
       <p:ext uri="{BB962C8B-B14F-4D97-AF65-F5344CB8AC3E}">
-        <p14:creationId xmlns:p14="http://schemas.microsoft.com/office/powerpoint/2010/main" xmlns="" val="1797904098"/>
+        <p14:creationId xmlns="" xmlns:p14="http://schemas.microsoft.com/office/powerpoint/2010/main" val="1797904098"/>
       </p:ext>
     </p:extLst>
   </p:cSld>
@@ -3102,7 +3102,7 @@
           <p:cNvPr id="2" name="Title 1">
             <a:extLst>
               <a:ext uri="{FF2B5EF4-FFF2-40B4-BE49-F238E27FC236}">
-                <a16:creationId xmlns:a16="http://schemas.microsoft.com/office/drawing/2014/main" xmlns="" id="{FE91AD08-4E28-4191-9B62-EAD61608E5CF}"/>
+                <a16:creationId xmlns="" xmlns:a16="http://schemas.microsoft.com/office/drawing/2014/main" id="{FE91AD08-4E28-4191-9B62-EAD61608E5CF}"/>
               </a:ext>
             </a:extLst>
           </p:cNvPr>
@@ -3162,7 +3162,7 @@
           <p:cNvPr id="3" name="Content Placeholder 2">
             <a:extLst>
               <a:ext uri="{FF2B5EF4-FFF2-40B4-BE49-F238E27FC236}">
-                <a16:creationId xmlns:a16="http://schemas.microsoft.com/office/drawing/2014/main" xmlns="" id="{90BF853D-76DB-46F3-AF6C-1E77C8E06AA9}"/>
+                <a16:creationId xmlns="" xmlns:a16="http://schemas.microsoft.com/office/drawing/2014/main" id="{90BF853D-76DB-46F3-AF6C-1E77C8E06AA9}"/>
               </a:ext>
             </a:extLst>
           </p:cNvPr>
@@ -3243,7 +3243,7 @@
           <p:cNvPr id="14" name="Slide Number Placeholder 13">
             <a:extLst>
               <a:ext uri="{FF2B5EF4-FFF2-40B4-BE49-F238E27FC236}">
-                <a16:creationId xmlns:a16="http://schemas.microsoft.com/office/drawing/2014/main" xmlns="" id="{7746CAFB-2B99-470B-B55B-9BF378E3A04B}"/>
+                <a16:creationId xmlns="" xmlns:a16="http://schemas.microsoft.com/office/drawing/2014/main" id="{7746CAFB-2B99-470B-B55B-9BF378E3A04B}"/>
               </a:ext>
             </a:extLst>
           </p:cNvPr>
@@ -3275,7 +3275,7 @@
     </p:spTree>
     <p:extLst>
       <p:ext uri="{BB962C8B-B14F-4D97-AF65-F5344CB8AC3E}">
-        <p14:creationId xmlns:p14="http://schemas.microsoft.com/office/powerpoint/2010/main" xmlns="" val="1160496352"/>
+        <p14:creationId xmlns="" xmlns:p14="http://schemas.microsoft.com/office/powerpoint/2010/main" val="1160496352"/>
       </p:ext>
     </p:extLst>
   </p:cSld>
@@ -3307,7 +3307,7 @@
           <p:cNvPr id="17" name="Title 16">
             <a:extLst>
               <a:ext uri="{FF2B5EF4-FFF2-40B4-BE49-F238E27FC236}">
-                <a16:creationId xmlns:a16="http://schemas.microsoft.com/office/drawing/2014/main" xmlns="" id="{65237DA4-112F-40B2-8C8C-EB23506D9C45}"/>
+                <a16:creationId xmlns="" xmlns:a16="http://schemas.microsoft.com/office/drawing/2014/main" id="{65237DA4-112F-40B2-8C8C-EB23506D9C45}"/>
               </a:ext>
             </a:extLst>
           </p:cNvPr>
@@ -3366,7 +3366,7 @@
           <p:cNvPr id="3" name="Content Placeholder 2">
             <a:extLst>
               <a:ext uri="{FF2B5EF4-FFF2-40B4-BE49-F238E27FC236}">
-                <a16:creationId xmlns:a16="http://schemas.microsoft.com/office/drawing/2014/main" xmlns="" id="{90BF853D-76DB-46F3-AF6C-1E77C8E06AA9}"/>
+                <a16:creationId xmlns="" xmlns:a16="http://schemas.microsoft.com/office/drawing/2014/main" id="{90BF853D-76DB-46F3-AF6C-1E77C8E06AA9}"/>
               </a:ext>
             </a:extLst>
           </p:cNvPr>
@@ -3429,7 +3429,7 @@
           <p:cNvPr id="14" name="Slide Number Placeholder 13">
             <a:extLst>
               <a:ext uri="{FF2B5EF4-FFF2-40B4-BE49-F238E27FC236}">
-                <a16:creationId xmlns:a16="http://schemas.microsoft.com/office/drawing/2014/main" xmlns="" id="{7746CAFB-2B99-470B-B55B-9BF378E3A04B}"/>
+                <a16:creationId xmlns="" xmlns:a16="http://schemas.microsoft.com/office/drawing/2014/main" id="{7746CAFB-2B99-470B-B55B-9BF378E3A04B}"/>
               </a:ext>
             </a:extLst>
           </p:cNvPr>
@@ -3478,7 +3478,7 @@
     </p:spTree>
     <p:extLst>
       <p:ext uri="{BB962C8B-B14F-4D97-AF65-F5344CB8AC3E}">
-        <p14:creationId xmlns:p14="http://schemas.microsoft.com/office/powerpoint/2010/main" xmlns="" val="364498605"/>
+        <p14:creationId xmlns="" xmlns:p14="http://schemas.microsoft.com/office/powerpoint/2010/main" val="364498605"/>
       </p:ext>
     </p:extLst>
   </p:cSld>
@@ -3510,7 +3510,7 @@
           <p:cNvPr id="4" name="Slide Number Placeholder 3">
             <a:extLst>
               <a:ext uri="{FF2B5EF4-FFF2-40B4-BE49-F238E27FC236}">
-                <a16:creationId xmlns:a16="http://schemas.microsoft.com/office/drawing/2014/main" xmlns="" id="{0660D61A-B9FD-4DFF-AC42-4069DAFE238C}"/>
+                <a16:creationId xmlns="" xmlns:a16="http://schemas.microsoft.com/office/drawing/2014/main" id="{0660D61A-B9FD-4DFF-AC42-4069DAFE238C}"/>
               </a:ext>
             </a:extLst>
           </p:cNvPr>
@@ -3544,7 +3544,7 @@
           <p:cNvPr id="5" name="Content Placeholder 2">
             <a:extLst>
               <a:ext uri="{FF2B5EF4-FFF2-40B4-BE49-F238E27FC236}">
-                <a16:creationId xmlns:a16="http://schemas.microsoft.com/office/drawing/2014/main" xmlns="" id="{D68E6EF2-4B2F-4D0D-9505-CE92872972F7}"/>
+                <a16:creationId xmlns="" xmlns:a16="http://schemas.microsoft.com/office/drawing/2014/main" id="{D68E6EF2-4B2F-4D0D-9505-CE92872972F7}"/>
               </a:ext>
             </a:extLst>
           </p:cNvPr>
@@ -3607,7 +3607,7 @@
           <p:cNvPr id="6" name="Title 1">
             <a:extLst>
               <a:ext uri="{FF2B5EF4-FFF2-40B4-BE49-F238E27FC236}">
-                <a16:creationId xmlns:a16="http://schemas.microsoft.com/office/drawing/2014/main" xmlns="" id="{D91A21B9-BA54-413B-940E-027C32E4D429}"/>
+                <a16:creationId xmlns="" xmlns:a16="http://schemas.microsoft.com/office/drawing/2014/main" id="{D91A21B9-BA54-413B-940E-027C32E4D429}"/>
               </a:ext>
             </a:extLst>
           </p:cNvPr>
@@ -3653,7 +3653,7 @@
     </p:spTree>
     <p:extLst>
       <p:ext uri="{BB962C8B-B14F-4D97-AF65-F5344CB8AC3E}">
-        <p14:creationId xmlns:p14="http://schemas.microsoft.com/office/powerpoint/2010/main" xmlns="" val="3610051244"/>
+        <p14:creationId xmlns="" xmlns:p14="http://schemas.microsoft.com/office/powerpoint/2010/main" val="3610051244"/>
       </p:ext>
     </p:extLst>
   </p:cSld>
@@ -3685,7 +3685,7 @@
           <p:cNvPr id="2" name="Title 1">
             <a:extLst>
               <a:ext uri="{FF2B5EF4-FFF2-40B4-BE49-F238E27FC236}">
-                <a16:creationId xmlns:a16="http://schemas.microsoft.com/office/drawing/2014/main" xmlns="" id="{9722BDA7-8BE9-42D5-ACF1-0F51423A206E}"/>
+                <a16:creationId xmlns="" xmlns:a16="http://schemas.microsoft.com/office/drawing/2014/main" id="{9722BDA7-8BE9-42D5-ACF1-0F51423A206E}"/>
               </a:ext>
             </a:extLst>
           </p:cNvPr>
@@ -3723,7 +3723,7 @@
           <p:cNvPr id="3" name="Text Placeholder 2">
             <a:extLst>
               <a:ext uri="{FF2B5EF4-FFF2-40B4-BE49-F238E27FC236}">
-                <a16:creationId xmlns:a16="http://schemas.microsoft.com/office/drawing/2014/main" xmlns="" id="{71CEF73F-3CCA-4312-8E9C-2B4629DA1F66}"/>
+                <a16:creationId xmlns="" xmlns:a16="http://schemas.microsoft.com/office/drawing/2014/main" id="{71CEF73F-3CCA-4312-8E9C-2B4629DA1F66}"/>
               </a:ext>
             </a:extLst>
           </p:cNvPr>
@@ -3848,7 +3848,7 @@
           <p:cNvPr id="4" name="Slide Number Placeholder 3">
             <a:extLst>
               <a:ext uri="{FF2B5EF4-FFF2-40B4-BE49-F238E27FC236}">
-                <a16:creationId xmlns:a16="http://schemas.microsoft.com/office/drawing/2014/main" xmlns="" id="{293BF716-502C-4821-A3A0-19C2C508EED1}"/>
+                <a16:creationId xmlns="" xmlns:a16="http://schemas.microsoft.com/office/drawing/2014/main" id="{293BF716-502C-4821-A3A0-19C2C508EED1}"/>
               </a:ext>
             </a:extLst>
           </p:cNvPr>
@@ -3880,7 +3880,7 @@
     </p:spTree>
     <p:extLst>
       <p:ext uri="{BB962C8B-B14F-4D97-AF65-F5344CB8AC3E}">
-        <p14:creationId xmlns:p14="http://schemas.microsoft.com/office/powerpoint/2010/main" xmlns="" val="2665983131"/>
+        <p14:creationId xmlns="" xmlns:p14="http://schemas.microsoft.com/office/powerpoint/2010/main" val="2665983131"/>
       </p:ext>
     </p:extLst>
   </p:cSld>
@@ -3923,7 +3923,7 @@
           <p:cNvPr id="5" name="Picture 4">
             <a:extLst>
               <a:ext uri="{FF2B5EF4-FFF2-40B4-BE49-F238E27FC236}">
-                <a16:creationId xmlns:a16="http://schemas.microsoft.com/office/drawing/2014/main" xmlns="" id="{448E4AFE-E166-4B84-B0C8-9205038D8033}"/>
+                <a16:creationId xmlns="" xmlns:a16="http://schemas.microsoft.com/office/drawing/2014/main" id="{448E4AFE-E166-4B84-B0C8-9205038D8033}"/>
               </a:ext>
             </a:extLst>
           </p:cNvPr>
@@ -3936,7 +3936,7 @@
           <a:blip r:embed="rId16" cstate="screen">
             <a:extLst>
               <a:ext uri="{28A0092B-C50C-407E-A947-70E740481C1C}">
-                <a14:useLocalDpi xmlns:a14="http://schemas.microsoft.com/office/drawing/2010/main" xmlns=""/>
+                <a14:useLocalDpi xmlns="" xmlns:a14="http://schemas.microsoft.com/office/drawing/2010/main"/>
               </a:ext>
             </a:extLst>
           </a:blip>
@@ -3959,7 +3959,7 @@
           <p:cNvPr id="2" name="Title Placeholder 1">
             <a:extLst>
               <a:ext uri="{FF2B5EF4-FFF2-40B4-BE49-F238E27FC236}">
-                <a16:creationId xmlns:a16="http://schemas.microsoft.com/office/drawing/2014/main" xmlns="" id="{6C617517-B672-49BA-AC6E-AB66D0639A58}"/>
+                <a16:creationId xmlns="" xmlns:a16="http://schemas.microsoft.com/office/drawing/2014/main" id="{6C617517-B672-49BA-AC6E-AB66D0639A58}"/>
               </a:ext>
             </a:extLst>
           </p:cNvPr>
@@ -3998,7 +3998,7 @@
           <p:cNvPr id="3" name="Text Placeholder 2">
             <a:extLst>
               <a:ext uri="{FF2B5EF4-FFF2-40B4-BE49-F238E27FC236}">
-                <a16:creationId xmlns:a16="http://schemas.microsoft.com/office/drawing/2014/main" xmlns="" id="{6EC92C27-7843-4B22-9200-B7304E6AE4CD}"/>
+                <a16:creationId xmlns="" xmlns:a16="http://schemas.microsoft.com/office/drawing/2014/main" id="{6EC92C27-7843-4B22-9200-B7304E6AE4CD}"/>
               </a:ext>
             </a:extLst>
           </p:cNvPr>
@@ -4066,7 +4066,7 @@
           <p:cNvPr id="6" name="Slide Number Placeholder 5">
             <a:extLst>
               <a:ext uri="{FF2B5EF4-FFF2-40B4-BE49-F238E27FC236}">
-                <a16:creationId xmlns:a16="http://schemas.microsoft.com/office/drawing/2014/main" xmlns="" id="{52DB4F10-F75B-41A8-B994-BFF68949E59A}"/>
+                <a16:creationId xmlns="" xmlns:a16="http://schemas.microsoft.com/office/drawing/2014/main" id="{52DB4F10-F75B-41A8-B994-BFF68949E59A}"/>
               </a:ext>
             </a:extLst>
           </p:cNvPr>
@@ -4122,7 +4122,7 @@
           <p:cNvPr id="7" name="Rectangle 6">
             <a:extLst>
               <a:ext uri="{FF2B5EF4-FFF2-40B4-BE49-F238E27FC236}">
-                <a16:creationId xmlns:a16="http://schemas.microsoft.com/office/drawing/2014/main" xmlns="" id="{512D21E2-8DEB-4F43-A26E-B8DA900A9230}"/>
+                <a16:creationId xmlns="" xmlns:a16="http://schemas.microsoft.com/office/drawing/2014/main" id="{512D21E2-8DEB-4F43-A26E-B8DA900A9230}"/>
               </a:ext>
             </a:extLst>
           </p:cNvPr>
@@ -4185,7 +4185,7 @@
           <p:cNvPr id="8" name="Rectangle 7">
             <a:extLst>
               <a:ext uri="{FF2B5EF4-FFF2-40B4-BE49-F238E27FC236}">
-                <a16:creationId xmlns:a16="http://schemas.microsoft.com/office/drawing/2014/main" xmlns="" id="{35CD3143-7FD1-40EA-AA4A-47C72380AEC2}"/>
+                <a16:creationId xmlns="" xmlns:a16="http://schemas.microsoft.com/office/drawing/2014/main" id="{35CD3143-7FD1-40EA-AA4A-47C72380AEC2}"/>
               </a:ext>
             </a:extLst>
           </p:cNvPr>
@@ -4235,7 +4235,7 @@
     </p:spTree>
     <p:extLst>
       <p:ext uri="{BB962C8B-B14F-4D97-AF65-F5344CB8AC3E}">
-        <p14:creationId xmlns:p14="http://schemas.microsoft.com/office/powerpoint/2010/main" xmlns="" val="3853920126"/>
+        <p14:creationId xmlns="" xmlns:p14="http://schemas.microsoft.com/office/powerpoint/2010/main" val="3853920126"/>
       </p:ext>
     </p:extLst>
   </p:cSld>
@@ -4565,7 +4565,7 @@
           <p:cNvPr id="4" name="Title 3">
             <a:extLst>
               <a:ext uri="{FF2B5EF4-FFF2-40B4-BE49-F238E27FC236}">
-                <a16:creationId xmlns:a16="http://schemas.microsoft.com/office/drawing/2014/main" xmlns="" id="{E10C5037-DA4A-44E2-A9FB-84B1498768A7}"/>
+                <a16:creationId xmlns="" xmlns:a16="http://schemas.microsoft.com/office/drawing/2014/main" id="{E10C5037-DA4A-44E2-A9FB-84B1498768A7}"/>
               </a:ext>
             </a:extLst>
           </p:cNvPr>
@@ -4591,7 +4591,7 @@
             <a:pPr algn="ctr"/>
             <a:r>
               <a:rPr lang="en-US" sz="5400" dirty="0" smtClean="0"/>
-              <a:t> Classes </a:t>
+              <a:t>Classes </a:t>
             </a:r>
             <a:r>
               <a:rPr lang="en-US" sz="5400" dirty="0" smtClean="0"/>
@@ -4606,6 +4606,13 @@
             </a:r>
             <a:r>
               <a:rPr lang="en-US" sz="5400" dirty="0" smtClean="0"/>
+              <a:t/>
+            </a:r>
+            <a:br>
+              <a:rPr lang="en-US" sz="5400" dirty="0" smtClean="0"/>
+            </a:br>
+            <a:r>
+              <a:rPr lang="en-US" sz="5400" dirty="0" smtClean="0"/>
               <a:t>Objects</a:t>
             </a:r>
             <a:endParaRPr lang="en-US" sz="5400" dirty="0"/>
@@ -4617,7 +4624,7 @@
           <p:cNvPr id="15" name="Slide Number Placeholder 14">
             <a:extLst>
               <a:ext uri="{FF2B5EF4-FFF2-40B4-BE49-F238E27FC236}">
-                <a16:creationId xmlns:a16="http://schemas.microsoft.com/office/drawing/2014/main" xmlns="" id="{26F5C050-EB87-421A-8A5C-E6CB30102699}"/>
+                <a16:creationId xmlns="" xmlns:a16="http://schemas.microsoft.com/office/drawing/2014/main" id="{26F5C050-EB87-421A-8A5C-E6CB30102699}"/>
               </a:ext>
             </a:extLst>
           </p:cNvPr>
@@ -4651,7 +4658,7 @@
           <p:cNvPr id="29" name="Picture Placeholder 28" descr="Young student drawing on a whiteboard">
             <a:extLst>
               <a:ext uri="{FF2B5EF4-FFF2-40B4-BE49-F238E27FC236}">
-                <a16:creationId xmlns:a16="http://schemas.microsoft.com/office/drawing/2014/main" xmlns="" id="{AE2FE2E9-1D1E-404B-A659-DD19B5D66B5B}"/>
+                <a16:creationId xmlns="" xmlns:a16="http://schemas.microsoft.com/office/drawing/2014/main" id="{AE2FE2E9-1D1E-404B-A659-DD19B5D66B5B}"/>
               </a:ext>
             </a:extLst>
           </p:cNvPr>
@@ -4666,7 +4673,7 @@
           <a:blip r:embed="rId2" cstate="screen">
             <a:extLst>
               <a:ext uri="{28A0092B-C50C-407E-A947-70E740481C1C}">
-                <a14:useLocalDpi xmlns:a14="http://schemas.microsoft.com/office/drawing/2010/main" xmlns=""/>
+                <a14:useLocalDpi xmlns="" xmlns:a14="http://schemas.microsoft.com/office/drawing/2010/main"/>
               </a:ext>
             </a:extLst>
           </a:blip>
@@ -4685,7 +4692,7 @@
     </p:spTree>
     <p:extLst>
       <p:ext uri="{BB962C8B-B14F-4D97-AF65-F5344CB8AC3E}">
-        <p14:creationId xmlns:p14="http://schemas.microsoft.com/office/powerpoint/2010/main" xmlns="" val="1136250268"/>
+        <p14:creationId xmlns="" xmlns:p14="http://schemas.microsoft.com/office/powerpoint/2010/main" val="1136250268"/>
       </p:ext>
     </p:extLst>
   </p:cSld>
@@ -4724,7 +4731,7 @@
           <p:cNvPr id="2" name="Title 1">
             <a:extLst>
               <a:ext uri="{FF2B5EF4-FFF2-40B4-BE49-F238E27FC236}">
-                <a16:creationId xmlns:a16="http://schemas.microsoft.com/office/drawing/2014/main" xmlns="" id="{E199600F-A17E-4354-A7AB-0CC2A43A9354}"/>
+                <a16:creationId xmlns="" xmlns:a16="http://schemas.microsoft.com/office/drawing/2014/main" id="{E199600F-A17E-4354-A7AB-0CC2A43A9354}"/>
               </a:ext>
             </a:extLst>
           </p:cNvPr>
@@ -4856,7 +4863,7 @@
           <p:cNvPr id="4" name="Slide Number Placeholder 3">
             <a:extLst>
               <a:ext uri="{FF2B5EF4-FFF2-40B4-BE49-F238E27FC236}">
-                <a16:creationId xmlns:a16="http://schemas.microsoft.com/office/drawing/2014/main" xmlns="" id="{62B4CE3A-8C88-45AA-A849-57E5A7AC22C1}"/>
+                <a16:creationId xmlns="" xmlns:a16="http://schemas.microsoft.com/office/drawing/2014/main" id="{62B4CE3A-8C88-45AA-A849-57E5A7AC22C1}"/>
               </a:ext>
             </a:extLst>
           </p:cNvPr>
@@ -4890,10 +4897,10 @@
           <p:cNvPr id="11" name="Rectangle 10">
             <a:extLst>
               <a:ext uri="{FF2B5EF4-FFF2-40B4-BE49-F238E27FC236}">
-                <a16:creationId xmlns:a16="http://schemas.microsoft.com/office/drawing/2014/main" xmlns="" id="{5F253864-26FA-4AB1-9F0A-4F57D870EE85}"/>
+                <a16:creationId xmlns="" xmlns:a16="http://schemas.microsoft.com/office/drawing/2014/main" id="{5F253864-26FA-4AB1-9F0A-4F57D870EE85}"/>
               </a:ext>
               <a:ext uri="{C183D7F6-B498-43B3-948B-1728B52AA6E4}">
-                <adec:decorative xmlns:adec="http://schemas.microsoft.com/office/drawing/2017/decorative" xmlns="" val="1"/>
+                <adec:decorative xmlns="" xmlns:adec="http://schemas.microsoft.com/office/drawing/2017/decorative" val="1"/>
               </a:ext>
             </a:extLst>
           </p:cNvPr>
@@ -4946,7 +4953,7 @@
     </p:spTree>
     <p:extLst>
       <p:ext uri="{BB962C8B-B14F-4D97-AF65-F5344CB8AC3E}">
-        <p14:creationId xmlns:p14="http://schemas.microsoft.com/office/powerpoint/2010/main" xmlns="" val="2106941509"/>
+        <p14:creationId xmlns="" xmlns:p14="http://schemas.microsoft.com/office/powerpoint/2010/main" val="2106941509"/>
       </p:ext>
     </p:extLst>
   </p:cSld>
@@ -4985,7 +4992,7 @@
           <p:cNvPr id="2" name="Title 1">
             <a:extLst>
               <a:ext uri="{FF2B5EF4-FFF2-40B4-BE49-F238E27FC236}">
-                <a16:creationId xmlns:a16="http://schemas.microsoft.com/office/drawing/2014/main" xmlns="" id="{E199600F-A17E-4354-A7AB-0CC2A43A9354}"/>
+                <a16:creationId xmlns="" xmlns:a16="http://schemas.microsoft.com/office/drawing/2014/main" id="{E199600F-A17E-4354-A7AB-0CC2A43A9354}"/>
               </a:ext>
             </a:extLst>
           </p:cNvPr>
@@ -5047,7 +5054,7 @@
           <p:cNvPr id="4" name="Slide Number Placeholder 3">
             <a:extLst>
               <a:ext uri="{FF2B5EF4-FFF2-40B4-BE49-F238E27FC236}">
-                <a16:creationId xmlns:a16="http://schemas.microsoft.com/office/drawing/2014/main" xmlns="" id="{62B4CE3A-8C88-45AA-A849-57E5A7AC22C1}"/>
+                <a16:creationId xmlns="" xmlns:a16="http://schemas.microsoft.com/office/drawing/2014/main" id="{62B4CE3A-8C88-45AA-A849-57E5A7AC22C1}"/>
               </a:ext>
             </a:extLst>
           </p:cNvPr>
@@ -5081,10 +5088,10 @@
           <p:cNvPr id="11" name="Rectangle 10">
             <a:extLst>
               <a:ext uri="{FF2B5EF4-FFF2-40B4-BE49-F238E27FC236}">
-                <a16:creationId xmlns:a16="http://schemas.microsoft.com/office/drawing/2014/main" xmlns="" id="{5F253864-26FA-4AB1-9F0A-4F57D870EE85}"/>
+                <a16:creationId xmlns="" xmlns:a16="http://schemas.microsoft.com/office/drawing/2014/main" id="{5F253864-26FA-4AB1-9F0A-4F57D870EE85}"/>
               </a:ext>
               <a:ext uri="{C183D7F6-B498-43B3-948B-1728B52AA6E4}">
-                <adec:decorative xmlns:adec="http://schemas.microsoft.com/office/drawing/2017/decorative" xmlns="" val="1"/>
+                <adec:decorative xmlns="" xmlns:adec="http://schemas.microsoft.com/office/drawing/2017/decorative" val="1"/>
               </a:ext>
             </a:extLst>
           </p:cNvPr>
@@ -5137,7 +5144,7 @@
     </p:spTree>
     <p:extLst>
       <p:ext uri="{BB962C8B-B14F-4D97-AF65-F5344CB8AC3E}">
-        <p14:creationId xmlns:p14="http://schemas.microsoft.com/office/powerpoint/2010/main" xmlns="" val="3205322592"/>
+        <p14:creationId xmlns="" xmlns:p14="http://schemas.microsoft.com/office/powerpoint/2010/main" val="3205322592"/>
       </p:ext>
     </p:extLst>
   </p:cSld>
@@ -5176,7 +5183,7 @@
           <p:cNvPr id="2" name="Title 1">
             <a:extLst>
               <a:ext uri="{FF2B5EF4-FFF2-40B4-BE49-F238E27FC236}">
-                <a16:creationId xmlns:a16="http://schemas.microsoft.com/office/drawing/2014/main" xmlns="" id="{C8F58AE6-56F6-44E8-8BBF-23277B1773E4}"/>
+                <a16:creationId xmlns="" xmlns:a16="http://schemas.microsoft.com/office/drawing/2014/main" id="{C8F58AE6-56F6-44E8-8BBF-23277B1773E4}"/>
               </a:ext>
             </a:extLst>
           </p:cNvPr>
@@ -5215,7 +5222,7 @@
           <a:blip r:embed="rId2">
             <a:extLst>
               <a:ext uri="{28A0092B-C50C-407E-A947-70E740481C1C}">
-                <a14:useLocalDpi xmlns:a14="http://schemas.microsoft.com/office/drawing/2010/main" xmlns="" val="0"/>
+                <a14:useLocalDpi xmlns="" xmlns:a14="http://schemas.microsoft.com/office/drawing/2010/main" val="0"/>
               </a:ext>
             </a:extLst>
           </a:blip>
@@ -5235,7 +5242,7 @@
           <p:cNvPr id="20" name="Slide Number Placeholder 19">
             <a:extLst>
               <a:ext uri="{FF2B5EF4-FFF2-40B4-BE49-F238E27FC236}">
-                <a16:creationId xmlns:a16="http://schemas.microsoft.com/office/drawing/2014/main" xmlns="" id="{3AEC0301-E9AA-4478-9E23-C372DBDCE653}"/>
+                <a16:creationId xmlns="" xmlns:a16="http://schemas.microsoft.com/office/drawing/2014/main" id="{3AEC0301-E9AA-4478-9E23-C372DBDCE653}"/>
               </a:ext>
             </a:extLst>
           </p:cNvPr>
@@ -5274,10 +5281,10 @@
           <p:cNvPr id="10" name="Isosceles Triangle 9">
             <a:extLst>
               <a:ext uri="{FF2B5EF4-FFF2-40B4-BE49-F238E27FC236}">
-                <a16:creationId xmlns:a16="http://schemas.microsoft.com/office/drawing/2014/main" xmlns="" id="{792980D7-ED01-4955-83DB-59BA18C94FBA}"/>
+                <a16:creationId xmlns="" xmlns:a16="http://schemas.microsoft.com/office/drawing/2014/main" id="{792980D7-ED01-4955-83DB-59BA18C94FBA}"/>
               </a:ext>
               <a:ext uri="{C183D7F6-B498-43B3-948B-1728B52AA6E4}">
-                <adec:decorative xmlns:adec="http://schemas.microsoft.com/office/drawing/2017/decorative" xmlns="" val="1"/>
+                <adec:decorative xmlns="" xmlns:adec="http://schemas.microsoft.com/office/drawing/2017/decorative" val="1"/>
               </a:ext>
             </a:extLst>
           </p:cNvPr>
@@ -5355,7 +5362,7 @@
     </p:spTree>
     <p:extLst>
       <p:ext uri="{BB962C8B-B14F-4D97-AF65-F5344CB8AC3E}">
-        <p14:creationId xmlns:p14="http://schemas.microsoft.com/office/powerpoint/2010/main" xmlns="" val="1704949556"/>
+        <p14:creationId xmlns="" xmlns:p14="http://schemas.microsoft.com/office/powerpoint/2010/main" val="1704949556"/>
       </p:ext>
     </p:extLst>
   </p:cSld>
@@ -5394,7 +5401,7 @@
           <p:cNvPr id="2" name="Title 1">
             <a:extLst>
               <a:ext uri="{FF2B5EF4-FFF2-40B4-BE49-F238E27FC236}">
-                <a16:creationId xmlns:a16="http://schemas.microsoft.com/office/drawing/2014/main" xmlns="" id="{E199600F-A17E-4354-A7AB-0CC2A43A9354}"/>
+                <a16:creationId xmlns="" xmlns:a16="http://schemas.microsoft.com/office/drawing/2014/main" id="{E199600F-A17E-4354-A7AB-0CC2A43A9354}"/>
               </a:ext>
             </a:extLst>
           </p:cNvPr>
@@ -5418,11 +5425,7 @@
             <a:pPr algn="ctr"/>
             <a:r>
               <a:rPr lang="en-US" dirty="0" smtClean="0"/>
-              <a:t>Exam </a:t>
-            </a:r>
-            <a:r>
-              <a:rPr lang="en-US" dirty="0" smtClean="0"/>
-              <a:t>Objectives</a:t>
+              <a:t>Exam Objectives</a:t>
             </a:r>
             <a:endParaRPr lang="en-US" dirty="0"/>
           </a:p>
@@ -5433,7 +5436,7 @@
           <p:cNvPr id="3" name="Content Placeholder 2">
             <a:extLst>
               <a:ext uri="{FF2B5EF4-FFF2-40B4-BE49-F238E27FC236}">
-                <a16:creationId xmlns:a16="http://schemas.microsoft.com/office/drawing/2014/main" xmlns="" id="{FA6A4B49-27C8-46B6-8B11-AD7E8F615E2C}"/>
+                <a16:creationId xmlns="" xmlns:a16="http://schemas.microsoft.com/office/drawing/2014/main" id="{FA6A4B49-27C8-46B6-8B11-AD7E8F615E2C}"/>
               </a:ext>
             </a:extLst>
           </p:cNvPr>
@@ -5444,7 +5447,12 @@
             <p:ph idx="1"/>
           </p:nvPr>
         </p:nvSpPr>
-        <p:spPr/>
+        <p:spPr>
+          <a:xfrm>
+            <a:off x="838200" y="1825625"/>
+            <a:ext cx="5249091" cy="4351338"/>
+          </a:xfrm>
+        </p:spPr>
         <p:txBody>
           <a:bodyPr>
             <a:normAutofit/>
@@ -5466,23 +5474,7 @@
             <a:pPr lvl="1"/>
             <a:r>
               <a:rPr lang="en-IN" dirty="0" smtClean="0"/>
-              <a:t>Declare and instantiate Java objects, and </a:t>
-            </a:r>
-            <a:r>
-              <a:rPr lang="en-IN" dirty="0" smtClean="0"/>
-              <a:t>explain objects</a:t>
-            </a:r>
-            <a:r>
-              <a:rPr lang="en-IN" dirty="0" smtClean="0"/>
-              <a:t>’ lifecycles (including creation, </a:t>
-            </a:r>
-            <a:r>
-              <a:rPr lang="en-IN" dirty="0" smtClean="0"/>
-              <a:t>dereferencing by </a:t>
-            </a:r>
-            <a:r>
-              <a:rPr lang="en-IN" dirty="0" smtClean="0"/>
-              <a:t>reassignment, and garbage collection)</a:t>
+              <a:t>Declare and instantiate Java objects, and explain objects’ lifecycles (including creation, dereferencing by reassignment, and garbage collection)</a:t>
             </a:r>
           </a:p>
           <a:p>
@@ -5507,7 +5499,7 @@
           <p:cNvPr id="4" name="Slide Number Placeholder 3">
             <a:extLst>
               <a:ext uri="{FF2B5EF4-FFF2-40B4-BE49-F238E27FC236}">
-                <a16:creationId xmlns:a16="http://schemas.microsoft.com/office/drawing/2014/main" xmlns="" id="{62B4CE3A-8C88-45AA-A849-57E5A7AC22C1}"/>
+                <a16:creationId xmlns="" xmlns:a16="http://schemas.microsoft.com/office/drawing/2014/main" id="{62B4CE3A-8C88-45AA-A849-57E5A7AC22C1}"/>
               </a:ext>
             </a:extLst>
           </p:cNvPr>
@@ -5546,10 +5538,10 @@
           <p:cNvPr id="11" name="Rectangle 10">
             <a:extLst>
               <a:ext uri="{FF2B5EF4-FFF2-40B4-BE49-F238E27FC236}">
-                <a16:creationId xmlns:a16="http://schemas.microsoft.com/office/drawing/2014/main" xmlns="" id="{5F253864-26FA-4AB1-9F0A-4F57D870EE85}"/>
+                <a16:creationId xmlns="" xmlns:a16="http://schemas.microsoft.com/office/drawing/2014/main" id="{5F253864-26FA-4AB1-9F0A-4F57D870EE85}"/>
               </a:ext>
               <a:ext uri="{C183D7F6-B498-43B3-948B-1728B52AA6E4}">
-                <adec:decorative xmlns:adec="http://schemas.microsoft.com/office/drawing/2017/decorative" xmlns="" val="1"/>
+                <adec:decorative xmlns="" xmlns:adec="http://schemas.microsoft.com/office/drawing/2017/decorative" val="1"/>
               </a:ext>
             </a:extLst>
           </p:cNvPr>
@@ -5601,28 +5593,22 @@
       </p:sp>
       <p:pic>
         <p:nvPicPr>
-          <p:cNvPr id="6" name="Picture 5"/>
+          <p:cNvPr id="7" name="Picture 6" descr="lesson-planning-1-638.png"/>
           <p:cNvPicPr>
             <a:picLocks noChangeAspect="1"/>
           </p:cNvPicPr>
           <p:nvPr/>
         </p:nvPicPr>
         <p:blipFill>
-          <a:blip r:embed="rId2" cstate="print">
-            <a:extLst>
-              <a:ext uri="{28A0092B-C50C-407E-A947-70E740481C1C}">
-                <a14:useLocalDpi xmlns:a14="http://schemas.microsoft.com/office/drawing/2010/main" xmlns="" val="0"/>
-              </a:ext>
-            </a:extLst>
-          </a:blip>
+          <a:blip r:embed="rId2"/>
           <a:stretch>
             <a:fillRect/>
           </a:stretch>
         </p:blipFill>
         <p:spPr>
           <a:xfrm>
-            <a:off x="7777018" y="1670939"/>
-            <a:ext cx="3576781" cy="4464339"/>
+            <a:off x="6126479" y="1722528"/>
+            <a:ext cx="5293995" cy="4562475"/>
           </a:xfrm>
           <a:prstGeom prst="rect">
             <a:avLst/>
@@ -5632,7 +5618,7 @@
     </p:spTree>
     <p:extLst>
       <p:ext uri="{BB962C8B-B14F-4D97-AF65-F5344CB8AC3E}">
-        <p14:creationId xmlns:p14="http://schemas.microsoft.com/office/powerpoint/2010/main" xmlns="" val="1281103274"/>
+        <p14:creationId xmlns="" xmlns:p14="http://schemas.microsoft.com/office/powerpoint/2010/main" val="1281103274"/>
       </p:ext>
     </p:extLst>
   </p:cSld>
@@ -5671,7 +5657,7 @@
           <p:cNvPr id="2" name="Title 1">
             <a:extLst>
               <a:ext uri="{FF2B5EF4-FFF2-40B4-BE49-F238E27FC236}">
-                <a16:creationId xmlns:a16="http://schemas.microsoft.com/office/drawing/2014/main" xmlns="" id="{E199600F-A17E-4354-A7AB-0CC2A43A9354}"/>
+                <a16:creationId xmlns="" xmlns:a16="http://schemas.microsoft.com/office/drawing/2014/main" id="{E199600F-A17E-4354-A7AB-0CC2A43A9354}"/>
               </a:ext>
             </a:extLst>
           </p:cNvPr>
@@ -5781,7 +5767,7 @@
           <p:cNvPr id="4" name="Slide Number Placeholder 3">
             <a:extLst>
               <a:ext uri="{FF2B5EF4-FFF2-40B4-BE49-F238E27FC236}">
-                <a16:creationId xmlns:a16="http://schemas.microsoft.com/office/drawing/2014/main" xmlns="" id="{62B4CE3A-8C88-45AA-A849-57E5A7AC22C1}"/>
+                <a16:creationId xmlns="" xmlns:a16="http://schemas.microsoft.com/office/drawing/2014/main" id="{62B4CE3A-8C88-45AA-A849-57E5A7AC22C1}"/>
               </a:ext>
             </a:extLst>
           </p:cNvPr>
@@ -5815,10 +5801,10 @@
           <p:cNvPr id="11" name="Rectangle 10">
             <a:extLst>
               <a:ext uri="{FF2B5EF4-FFF2-40B4-BE49-F238E27FC236}">
-                <a16:creationId xmlns:a16="http://schemas.microsoft.com/office/drawing/2014/main" xmlns="" id="{5F253864-26FA-4AB1-9F0A-4F57D870EE85}"/>
+                <a16:creationId xmlns="" xmlns:a16="http://schemas.microsoft.com/office/drawing/2014/main" id="{5F253864-26FA-4AB1-9F0A-4F57D870EE85}"/>
               </a:ext>
               <a:ext uri="{C183D7F6-B498-43B3-948B-1728B52AA6E4}">
-                <adec:decorative xmlns:adec="http://schemas.microsoft.com/office/drawing/2017/decorative" xmlns="" val="1"/>
+                <adec:decorative xmlns="" xmlns:adec="http://schemas.microsoft.com/office/drawing/2017/decorative" val="1"/>
               </a:ext>
             </a:extLst>
           </p:cNvPr>
@@ -5871,7 +5857,7 @@
     </p:spTree>
     <p:extLst>
       <p:ext uri="{BB962C8B-B14F-4D97-AF65-F5344CB8AC3E}">
-        <p14:creationId xmlns:p14="http://schemas.microsoft.com/office/powerpoint/2010/main" xmlns="" val="1287735390"/>
+        <p14:creationId xmlns="" xmlns:p14="http://schemas.microsoft.com/office/powerpoint/2010/main" val="1287735390"/>
       </p:ext>
     </p:extLst>
   </p:cSld>
@@ -5910,7 +5896,7 @@
           <p:cNvPr id="2" name="Title 1">
             <a:extLst>
               <a:ext uri="{FF2B5EF4-FFF2-40B4-BE49-F238E27FC236}">
-                <a16:creationId xmlns:a16="http://schemas.microsoft.com/office/drawing/2014/main" xmlns="" id="{E199600F-A17E-4354-A7AB-0CC2A43A9354}"/>
+                <a16:creationId xmlns="" xmlns:a16="http://schemas.microsoft.com/office/drawing/2014/main" id="{E199600F-A17E-4354-A7AB-0CC2A43A9354}"/>
               </a:ext>
             </a:extLst>
           </p:cNvPr>
@@ -6047,7 +6033,7 @@
           <p:cNvPr id="4" name="Slide Number Placeholder 3">
             <a:extLst>
               <a:ext uri="{FF2B5EF4-FFF2-40B4-BE49-F238E27FC236}">
-                <a16:creationId xmlns:a16="http://schemas.microsoft.com/office/drawing/2014/main" xmlns="" id="{62B4CE3A-8C88-45AA-A849-57E5A7AC22C1}"/>
+                <a16:creationId xmlns="" xmlns:a16="http://schemas.microsoft.com/office/drawing/2014/main" id="{62B4CE3A-8C88-45AA-A849-57E5A7AC22C1}"/>
               </a:ext>
             </a:extLst>
           </p:cNvPr>
@@ -6081,10 +6067,10 @@
           <p:cNvPr id="11" name="Rectangle 10">
             <a:extLst>
               <a:ext uri="{FF2B5EF4-FFF2-40B4-BE49-F238E27FC236}">
-                <a16:creationId xmlns:a16="http://schemas.microsoft.com/office/drawing/2014/main" xmlns="" id="{5F253864-26FA-4AB1-9F0A-4F57D870EE85}"/>
+                <a16:creationId xmlns="" xmlns:a16="http://schemas.microsoft.com/office/drawing/2014/main" id="{5F253864-26FA-4AB1-9F0A-4F57D870EE85}"/>
               </a:ext>
               <a:ext uri="{C183D7F6-B498-43B3-948B-1728B52AA6E4}">
-                <adec:decorative xmlns:adec="http://schemas.microsoft.com/office/drawing/2017/decorative" xmlns="" val="1"/>
+                <adec:decorative xmlns="" xmlns:adec="http://schemas.microsoft.com/office/drawing/2017/decorative" val="1"/>
               </a:ext>
             </a:extLst>
           </p:cNvPr>
@@ -6137,7 +6123,7 @@
     </p:spTree>
     <p:extLst>
       <p:ext uri="{BB962C8B-B14F-4D97-AF65-F5344CB8AC3E}">
-        <p14:creationId xmlns:p14="http://schemas.microsoft.com/office/powerpoint/2010/main" xmlns="" val="1135271833"/>
+        <p14:creationId xmlns="" xmlns:p14="http://schemas.microsoft.com/office/powerpoint/2010/main" val="1135271833"/>
       </p:ext>
     </p:extLst>
   </p:cSld>
@@ -6176,7 +6162,7 @@
           <p:cNvPr id="2" name="Title 1">
             <a:extLst>
               <a:ext uri="{FF2B5EF4-FFF2-40B4-BE49-F238E27FC236}">
-                <a16:creationId xmlns:a16="http://schemas.microsoft.com/office/drawing/2014/main" xmlns="" id="{E199600F-A17E-4354-A7AB-0CC2A43A9354}"/>
+                <a16:creationId xmlns="" xmlns:a16="http://schemas.microsoft.com/office/drawing/2014/main" id="{E199600F-A17E-4354-A7AB-0CC2A43A9354}"/>
               </a:ext>
             </a:extLst>
           </p:cNvPr>
@@ -6216,7 +6202,12 @@
             <p:ph idx="1"/>
           </p:nvPr>
         </p:nvSpPr>
-        <p:spPr/>
+        <p:spPr>
+          <a:xfrm>
+            <a:off x="838200" y="1825625"/>
+            <a:ext cx="5876109" cy="4351338"/>
+          </a:xfrm>
+        </p:spPr>
         <p:txBody>
           <a:bodyPr>
             <a:normAutofit fontScale="92500" lnSpcReduction="20000"/>
@@ -6224,49 +6215,51 @@
           <a:lstStyle/>
           <a:p>
             <a:r>
-              <a:rPr lang="en-US" sz="3200" dirty="0" smtClean="0"/>
+              <a:rPr lang="en-US" sz="2600" dirty="0" smtClean="0"/>
               <a:t>An instance of a class is called an object. Objects are created using new operator.</a:t>
             </a:r>
           </a:p>
           <a:p>
             <a:r>
-              <a:rPr lang="en-US" sz="3200" dirty="0" smtClean="0"/>
+              <a:rPr lang="en-US" sz="2600" dirty="0" smtClean="0"/>
               <a:t>A reference variable is like a pointer to an object of reference type.</a:t>
             </a:r>
           </a:p>
           <a:p>
             <a:r>
-              <a:rPr lang="en-US" sz="3200" dirty="0" smtClean="0"/>
+              <a:rPr lang="en-US" sz="2600" dirty="0" smtClean="0"/>
               <a:t>All operations on the object happens through the reference variable.</a:t>
             </a:r>
           </a:p>
           <a:p>
             <a:r>
-              <a:rPr lang="en-US" sz="3200" dirty="0" smtClean="0"/>
+              <a:rPr lang="en-US" sz="2600" dirty="0" smtClean="0"/>
               <a:t>A reference variable is similar to </a:t>
             </a:r>
             <a:r>
-              <a:rPr lang="en-US" sz="3200" dirty="0" err="1" smtClean="0"/>
+              <a:rPr lang="en-US" sz="2600" dirty="0" err="1" smtClean="0"/>
               <a:t>int</a:t>
             </a:r>
             <a:r>
-              <a:rPr lang="en-US" sz="3200" dirty="0" smtClean="0"/>
+              <a:rPr lang="en-US" sz="2600" dirty="0" smtClean="0"/>
               <a:t> variable as </a:t>
             </a:r>
             <a:r>
-              <a:rPr lang="en-US" sz="3200" dirty="0" err="1" smtClean="0"/>
+              <a:rPr lang="en-US" sz="2600" dirty="0" err="1" smtClean="0"/>
               <a:t>int</a:t>
             </a:r>
             <a:r>
-              <a:rPr lang="en-US" sz="3200" dirty="0" smtClean="0"/>
+              <a:rPr lang="en-US" sz="2600" dirty="0" smtClean="0"/>
               <a:t> variable stores a number and reference variable also stores a number but that number denotes the memory location of the object.</a:t>
             </a:r>
           </a:p>
           <a:p>
             <a:r>
-              <a:rPr lang="en-US" sz="3200" dirty="0" smtClean="0"/>
+              <a:rPr lang="en-US" sz="2600" dirty="0" smtClean="0"/>
               <a:t>Assigning ‘null’ to a reference variable in java means that , that reference variable does not point to any object.</a:t>
             </a:r>
+          </a:p>
+          <a:p>
             <a:endParaRPr lang="en-US" sz="2400" dirty="0" smtClean="0"/>
           </a:p>
           <a:p>
@@ -6278,9 +6271,6 @@
           <a:p>
             <a:endParaRPr lang="en-US" sz="2400" dirty="0" smtClean="0"/>
           </a:p>
-          <a:p>
-            <a:endParaRPr lang="en-US" sz="2400" dirty="0" smtClean="0"/>
-          </a:p>
         </p:txBody>
       </p:sp>
       <p:sp>
@@ -6288,7 +6278,7 @@
           <p:cNvPr id="4" name="Slide Number Placeholder 3">
             <a:extLst>
               <a:ext uri="{FF2B5EF4-FFF2-40B4-BE49-F238E27FC236}">
-                <a16:creationId xmlns:a16="http://schemas.microsoft.com/office/drawing/2014/main" xmlns="" id="{62B4CE3A-8C88-45AA-A849-57E5A7AC22C1}"/>
+                <a16:creationId xmlns="" xmlns:a16="http://schemas.microsoft.com/office/drawing/2014/main" id="{62B4CE3A-8C88-45AA-A849-57E5A7AC22C1}"/>
               </a:ext>
             </a:extLst>
           </p:cNvPr>
@@ -6322,10 +6312,10 @@
           <p:cNvPr id="11" name="Rectangle 10">
             <a:extLst>
               <a:ext uri="{FF2B5EF4-FFF2-40B4-BE49-F238E27FC236}">
-                <a16:creationId xmlns:a16="http://schemas.microsoft.com/office/drawing/2014/main" xmlns="" id="{5F253864-26FA-4AB1-9F0A-4F57D870EE85}"/>
+                <a16:creationId xmlns="" xmlns:a16="http://schemas.microsoft.com/office/drawing/2014/main" id="{5F253864-26FA-4AB1-9F0A-4F57D870EE85}"/>
               </a:ext>
               <a:ext uri="{C183D7F6-B498-43B3-948B-1728B52AA6E4}">
-                <adec:decorative xmlns:adec="http://schemas.microsoft.com/office/drawing/2017/decorative" xmlns="" val="1"/>
+                <adec:decorative xmlns="" xmlns:adec="http://schemas.microsoft.com/office/drawing/2017/decorative" val="1"/>
               </a:ext>
             </a:extLst>
           </p:cNvPr>
@@ -6375,10 +6365,34 @@
           </a:p>
         </p:txBody>
       </p:sp>
+      <p:pic>
+        <p:nvPicPr>
+          <p:cNvPr id="8" name="Picture 7" descr="Object &amp; Reference.png"/>
+          <p:cNvPicPr>
+            <a:picLocks noChangeAspect="1"/>
+          </p:cNvPicPr>
+          <p:nvPr/>
+        </p:nvPicPr>
+        <p:blipFill>
+          <a:blip r:embed="rId2"/>
+          <a:stretch>
+            <a:fillRect/>
+          </a:stretch>
+        </p:blipFill>
+        <p:spPr>
+          <a:xfrm>
+            <a:off x="6727371" y="1925076"/>
+            <a:ext cx="4594670" cy="3634863"/>
+          </a:xfrm>
+          <a:prstGeom prst="rect">
+            <a:avLst/>
+          </a:prstGeom>
+        </p:spPr>
+      </p:pic>
     </p:spTree>
     <p:extLst>
       <p:ext uri="{BB962C8B-B14F-4D97-AF65-F5344CB8AC3E}">
-        <p14:creationId xmlns:p14="http://schemas.microsoft.com/office/powerpoint/2010/main" xmlns="" val="2516534599"/>
+        <p14:creationId xmlns="" xmlns:p14="http://schemas.microsoft.com/office/powerpoint/2010/main" val="2516534599"/>
       </p:ext>
     </p:extLst>
   </p:cSld>
@@ -6417,7 +6431,7 @@
           <p:cNvPr id="2" name="Title 1">
             <a:extLst>
               <a:ext uri="{FF2B5EF4-FFF2-40B4-BE49-F238E27FC236}">
-                <a16:creationId xmlns:a16="http://schemas.microsoft.com/office/drawing/2014/main" xmlns="" id="{E199600F-A17E-4354-A7AB-0CC2A43A9354}"/>
+                <a16:creationId xmlns="" xmlns:a16="http://schemas.microsoft.com/office/drawing/2014/main" id="{E199600F-A17E-4354-A7AB-0CC2A43A9354}"/>
               </a:ext>
             </a:extLst>
           </p:cNvPr>
@@ -6500,7 +6514,7 @@
           <p:cNvPr id="4" name="Slide Number Placeholder 3">
             <a:extLst>
               <a:ext uri="{FF2B5EF4-FFF2-40B4-BE49-F238E27FC236}">
-                <a16:creationId xmlns:a16="http://schemas.microsoft.com/office/drawing/2014/main" xmlns="" id="{62B4CE3A-8C88-45AA-A849-57E5A7AC22C1}"/>
+                <a16:creationId xmlns="" xmlns:a16="http://schemas.microsoft.com/office/drawing/2014/main" id="{62B4CE3A-8C88-45AA-A849-57E5A7AC22C1}"/>
               </a:ext>
             </a:extLst>
           </p:cNvPr>
@@ -6534,10 +6548,10 @@
           <p:cNvPr id="11" name="Rectangle 10">
             <a:extLst>
               <a:ext uri="{FF2B5EF4-FFF2-40B4-BE49-F238E27FC236}">
-                <a16:creationId xmlns:a16="http://schemas.microsoft.com/office/drawing/2014/main" xmlns="" id="{5F253864-26FA-4AB1-9F0A-4F57D870EE85}"/>
+                <a16:creationId xmlns="" xmlns:a16="http://schemas.microsoft.com/office/drawing/2014/main" id="{5F253864-26FA-4AB1-9F0A-4F57D870EE85}"/>
               </a:ext>
               <a:ext uri="{C183D7F6-B498-43B3-948B-1728B52AA6E4}">
-                <adec:decorative xmlns:adec="http://schemas.microsoft.com/office/drawing/2017/decorative" xmlns="" val="1"/>
+                <adec:decorative xmlns="" xmlns:adec="http://schemas.microsoft.com/office/drawing/2017/decorative" val="1"/>
               </a:ext>
             </a:extLst>
           </p:cNvPr>
@@ -6590,7 +6604,7 @@
     </p:spTree>
     <p:extLst>
       <p:ext uri="{BB962C8B-B14F-4D97-AF65-F5344CB8AC3E}">
-        <p14:creationId xmlns:p14="http://schemas.microsoft.com/office/powerpoint/2010/main" xmlns="" val="3991649606"/>
+        <p14:creationId xmlns="" xmlns:p14="http://schemas.microsoft.com/office/powerpoint/2010/main" val="3991649606"/>
       </p:ext>
     </p:extLst>
   </p:cSld>
@@ -6629,7 +6643,7 @@
           <p:cNvPr id="2" name="Title 1">
             <a:extLst>
               <a:ext uri="{FF2B5EF4-FFF2-40B4-BE49-F238E27FC236}">
-                <a16:creationId xmlns:a16="http://schemas.microsoft.com/office/drawing/2014/main" xmlns="" id="{E199600F-A17E-4354-A7AB-0CC2A43A9354}"/>
+                <a16:creationId xmlns="" xmlns:a16="http://schemas.microsoft.com/office/drawing/2014/main" id="{E199600F-A17E-4354-A7AB-0CC2A43A9354}"/>
               </a:ext>
             </a:extLst>
           </p:cNvPr>
@@ -6664,7 +6678,7 @@
           <p:cNvPr id="3" name="Content Placeholder 2">
             <a:extLst>
               <a:ext uri="{FF2B5EF4-FFF2-40B4-BE49-F238E27FC236}">
-                <a16:creationId xmlns:a16="http://schemas.microsoft.com/office/drawing/2014/main" xmlns="" id="{FA6A4B49-27C8-46B6-8B11-AD7E8F615E2C}"/>
+                <a16:creationId xmlns="" xmlns:a16="http://schemas.microsoft.com/office/drawing/2014/main" id="{FA6A4B49-27C8-46B6-8B11-AD7E8F615E2C}"/>
               </a:ext>
             </a:extLst>
           </p:cNvPr>
@@ -6773,7 +6787,7 @@
           <p:cNvPr id="4" name="Slide Number Placeholder 3">
             <a:extLst>
               <a:ext uri="{FF2B5EF4-FFF2-40B4-BE49-F238E27FC236}">
-                <a16:creationId xmlns:a16="http://schemas.microsoft.com/office/drawing/2014/main" xmlns="" id="{62B4CE3A-8C88-45AA-A849-57E5A7AC22C1}"/>
+                <a16:creationId xmlns="" xmlns:a16="http://schemas.microsoft.com/office/drawing/2014/main" id="{62B4CE3A-8C88-45AA-A849-57E5A7AC22C1}"/>
               </a:ext>
             </a:extLst>
           </p:cNvPr>
@@ -6812,10 +6826,10 @@
           <p:cNvPr id="11" name="Rectangle 10">
             <a:extLst>
               <a:ext uri="{FF2B5EF4-FFF2-40B4-BE49-F238E27FC236}">
-                <a16:creationId xmlns:a16="http://schemas.microsoft.com/office/drawing/2014/main" xmlns="" id="{5F253864-26FA-4AB1-9F0A-4F57D870EE85}"/>
+                <a16:creationId xmlns="" xmlns:a16="http://schemas.microsoft.com/office/drawing/2014/main" id="{5F253864-26FA-4AB1-9F0A-4F57D870EE85}"/>
               </a:ext>
               <a:ext uri="{C183D7F6-B498-43B3-948B-1728B52AA6E4}">
-                <adec:decorative xmlns:adec="http://schemas.microsoft.com/office/drawing/2017/decorative" xmlns="" val="1"/>
+                <adec:decorative xmlns="" xmlns:adec="http://schemas.microsoft.com/office/drawing/2017/decorative" val="1"/>
               </a:ext>
             </a:extLst>
           </p:cNvPr>
@@ -6892,7 +6906,7 @@
     </p:spTree>
     <p:extLst>
       <p:ext uri="{BB962C8B-B14F-4D97-AF65-F5344CB8AC3E}">
-        <p14:creationId xmlns:p14="http://schemas.microsoft.com/office/powerpoint/2010/main" xmlns="" val="2220640955"/>
+        <p14:creationId xmlns="" xmlns:p14="http://schemas.microsoft.com/office/powerpoint/2010/main" val="2220640955"/>
       </p:ext>
     </p:extLst>
   </p:cSld>
@@ -6931,7 +6945,7 @@
           <p:cNvPr id="2" name="Title 1">
             <a:extLst>
               <a:ext uri="{FF2B5EF4-FFF2-40B4-BE49-F238E27FC236}">
-                <a16:creationId xmlns:a16="http://schemas.microsoft.com/office/drawing/2014/main" xmlns="" id="{E199600F-A17E-4354-A7AB-0CC2A43A9354}"/>
+                <a16:creationId xmlns="" xmlns:a16="http://schemas.microsoft.com/office/drawing/2014/main" id="{E199600F-A17E-4354-A7AB-0CC2A43A9354}"/>
               </a:ext>
             </a:extLst>
           </p:cNvPr>
@@ -6966,7 +6980,7 @@
           <p:cNvPr id="3" name="Content Placeholder 2">
             <a:extLst>
               <a:ext uri="{FF2B5EF4-FFF2-40B4-BE49-F238E27FC236}">
-                <a16:creationId xmlns:a16="http://schemas.microsoft.com/office/drawing/2014/main" xmlns="" id="{FA6A4B49-27C8-46B6-8B11-AD7E8F615E2C}"/>
+                <a16:creationId xmlns="" xmlns:a16="http://schemas.microsoft.com/office/drawing/2014/main" id="{FA6A4B49-27C8-46B6-8B11-AD7E8F615E2C}"/>
               </a:ext>
             </a:extLst>
           </p:cNvPr>
@@ -7017,7 +7031,7 @@
           <p:cNvPr id="4" name="Slide Number Placeholder 3">
             <a:extLst>
               <a:ext uri="{FF2B5EF4-FFF2-40B4-BE49-F238E27FC236}">
-                <a16:creationId xmlns:a16="http://schemas.microsoft.com/office/drawing/2014/main" xmlns="" id="{62B4CE3A-8C88-45AA-A849-57E5A7AC22C1}"/>
+                <a16:creationId xmlns="" xmlns:a16="http://schemas.microsoft.com/office/drawing/2014/main" id="{62B4CE3A-8C88-45AA-A849-57E5A7AC22C1}"/>
               </a:ext>
             </a:extLst>
           </p:cNvPr>
@@ -7056,10 +7070,10 @@
           <p:cNvPr id="11" name="Rectangle 10">
             <a:extLst>
               <a:ext uri="{FF2B5EF4-FFF2-40B4-BE49-F238E27FC236}">
-                <a16:creationId xmlns:a16="http://schemas.microsoft.com/office/drawing/2014/main" xmlns="" id="{5F253864-26FA-4AB1-9F0A-4F57D870EE85}"/>
+                <a16:creationId xmlns="" xmlns:a16="http://schemas.microsoft.com/office/drawing/2014/main" id="{5F253864-26FA-4AB1-9F0A-4F57D870EE85}"/>
               </a:ext>
               <a:ext uri="{C183D7F6-B498-43B3-948B-1728B52AA6E4}">
-                <adec:decorative xmlns:adec="http://schemas.microsoft.com/office/drawing/2017/decorative" xmlns="" val="1"/>
+                <adec:decorative xmlns="" xmlns:adec="http://schemas.microsoft.com/office/drawing/2017/decorative" val="1"/>
               </a:ext>
             </a:extLst>
           </p:cNvPr>
@@ -7121,7 +7135,7 @@
           <a:blip r:embed="rId2">
             <a:extLst>
               <a:ext uri="{28A0092B-C50C-407E-A947-70E740481C1C}">
-                <a14:useLocalDpi xmlns:a14="http://schemas.microsoft.com/office/drawing/2010/main" xmlns="" val="0"/>
+                <a14:useLocalDpi xmlns="" xmlns:a14="http://schemas.microsoft.com/office/drawing/2010/main" val="0"/>
               </a:ext>
             </a:extLst>
           </a:blip>
@@ -7142,7 +7156,7 @@
     </p:spTree>
     <p:extLst>
       <p:ext uri="{BB962C8B-B14F-4D97-AF65-F5344CB8AC3E}">
-        <p14:creationId xmlns:p14="http://schemas.microsoft.com/office/powerpoint/2010/main" xmlns="" val="1663849724"/>
+        <p14:creationId xmlns="" xmlns:p14="http://schemas.microsoft.com/office/powerpoint/2010/main" val="1663849724"/>
       </p:ext>
     </p:extLst>
   </p:cSld>
@@ -7181,7 +7195,7 @@
           <p:cNvPr id="2" name="Title 1">
             <a:extLst>
               <a:ext uri="{FF2B5EF4-FFF2-40B4-BE49-F238E27FC236}">
-                <a16:creationId xmlns:a16="http://schemas.microsoft.com/office/drawing/2014/main" xmlns="" id="{E199600F-A17E-4354-A7AB-0CC2A43A9354}"/>
+                <a16:creationId xmlns="" xmlns:a16="http://schemas.microsoft.com/office/drawing/2014/main" id="{E199600F-A17E-4354-A7AB-0CC2A43A9354}"/>
               </a:ext>
             </a:extLst>
           </p:cNvPr>
@@ -7293,7 +7307,7 @@
           <p:cNvPr id="4" name="Slide Number Placeholder 3">
             <a:extLst>
               <a:ext uri="{FF2B5EF4-FFF2-40B4-BE49-F238E27FC236}">
-                <a16:creationId xmlns:a16="http://schemas.microsoft.com/office/drawing/2014/main" xmlns="" id="{62B4CE3A-8C88-45AA-A849-57E5A7AC22C1}"/>
+                <a16:creationId xmlns="" xmlns:a16="http://schemas.microsoft.com/office/drawing/2014/main" id="{62B4CE3A-8C88-45AA-A849-57E5A7AC22C1}"/>
               </a:ext>
             </a:extLst>
           </p:cNvPr>
@@ -7327,10 +7341,10 @@
           <p:cNvPr id="11" name="Rectangle 10">
             <a:extLst>
               <a:ext uri="{FF2B5EF4-FFF2-40B4-BE49-F238E27FC236}">
-                <a16:creationId xmlns:a16="http://schemas.microsoft.com/office/drawing/2014/main" xmlns="" id="{5F253864-26FA-4AB1-9F0A-4F57D870EE85}"/>
+                <a16:creationId xmlns="" xmlns:a16="http://schemas.microsoft.com/office/drawing/2014/main" id="{5F253864-26FA-4AB1-9F0A-4F57D870EE85}"/>
               </a:ext>
               <a:ext uri="{C183D7F6-B498-43B3-948B-1728B52AA6E4}">
-                <adec:decorative xmlns:adec="http://schemas.microsoft.com/office/drawing/2017/decorative" xmlns="" val="1"/>
+                <adec:decorative xmlns="" xmlns:adec="http://schemas.microsoft.com/office/drawing/2017/decorative" val="1"/>
               </a:ext>
             </a:extLst>
           </p:cNvPr>
@@ -7383,7 +7397,7 @@
     </p:spTree>
     <p:extLst>
       <p:ext uri="{BB962C8B-B14F-4D97-AF65-F5344CB8AC3E}">
-        <p14:creationId xmlns:p14="http://schemas.microsoft.com/office/powerpoint/2010/main" xmlns="" val="274986115"/>
+        <p14:creationId xmlns="" xmlns:p14="http://schemas.microsoft.com/office/powerpoint/2010/main" val="274986115"/>
       </p:ext>
     </p:extLst>
   </p:cSld>
@@ -7595,7 +7609,7 @@
   <a:extraClrSchemeLst/>
   <a:extLst>
     <a:ext uri="{05A4C25C-085E-4340-85A3-A5531E510DB2}">
-      <thm15:themeFamily xmlns:thm15="http://schemas.microsoft.com/office/thememl/2012/main" xmlns="" name="Classic-Corporate_Teach a Course_Win32_SB - v2" id="{AAA48AC2-5F99-4B13-8624-B64D50F70391}" vid="{7E93EDBA-CDC2-40D2-AD59-7619D791F782}"/>
+      <thm15:themeFamily xmlns="" xmlns:thm15="http://schemas.microsoft.com/office/thememl/2012/main" name="Classic-Corporate_Teach a Course_Win32_SB - v2" id="{AAA48AC2-5F99-4B13-8624-B64D50F70391}" vid="{7E93EDBA-CDC2-40D2-AD59-7619D791F782}"/>
     </a:ext>
   </a:extLst>
 </a:theme>
@@ -7890,7 +7904,7 @@
   <a:extraClrSchemeLst/>
   <a:extLst>
     <a:ext uri="{05A4C25C-085E-4340-85A3-A5531E510DB2}">
-      <thm15:themeFamily xmlns:thm15="http://schemas.microsoft.com/office/thememl/2012/main" xmlns="" name="Office Theme" id="{62F939B6-93AF-4DB8-9C6B-D6C7DFDC589F}" vid="{4A3C46E8-61CC-4603-A589-7422A47A8E4A}"/>
+      <thm15:themeFamily xmlns="" xmlns:thm15="http://schemas.microsoft.com/office/thememl/2012/main" name="Office Theme" id="{62F939B6-93AF-4DB8-9C6B-D6C7DFDC589F}" vid="{4A3C46E8-61CC-4603-A589-7422A47A8E4A}"/>
     </a:ext>
   </a:extLst>
 </a:theme>
@@ -8185,7 +8199,7 @@
   <a:extraClrSchemeLst/>
   <a:extLst>
     <a:ext uri="{05A4C25C-085E-4340-85A3-A5531E510DB2}">
-      <thm15:themeFamily xmlns:thm15="http://schemas.microsoft.com/office/thememl/2012/main" xmlns="" name="Office Theme" id="{62F939B6-93AF-4DB8-9C6B-D6C7DFDC589F}" vid="{4A3C46E8-61CC-4603-A589-7422A47A8E4A}"/>
+      <thm15:themeFamily xmlns="" xmlns:thm15="http://schemas.microsoft.com/office/thememl/2012/main" name="Office Theme" id="{62F939B6-93AF-4DB8-9C6B-D6C7DFDC589F}" vid="{4A3C46E8-61CC-4603-A589-7422A47A8E4A}"/>
     </a:ext>
   </a:extLst>
 </a:theme>
@@ -8278,6 +8292,24 @@
 </file>
 
 <file path=customXml/item1.xml><?xml version="1.0" encoding="utf-8"?>
+<p:properties xmlns:p="http://schemas.microsoft.com/office/2006/metadata/properties" xmlns:xsi="http://www.w3.org/2001/XMLSchema-instance" xmlns:pc="http://schemas.microsoft.com/office/infopath/2007/PartnerControls">
+  <documentManagement>
+    <Status xmlns="71af3243-3dd4-4a8d-8c0d-dd76da1f02a5">Not started</Status>
+    <MediaServiceKeyPoints xmlns="71af3243-3dd4-4a8d-8c0d-dd76da1f02a5" xsi:nil="true"/>
+  </documentManagement>
+</p:properties>
+</file>
+
+<file path=customXml/item2.xml><?xml version="1.0" encoding="utf-8"?>
+<?mso-contentType ?>
+<FormTemplates xmlns="http://schemas.microsoft.com/sharepoint/v3/contenttype/forms">
+  <Display>DocumentLibraryForm</Display>
+  <Edit>DocumentLibraryForm</Edit>
+  <New>DocumentLibraryForm</New>
+</FormTemplates>
+</file>
+
+<file path=customXml/item3.xml><?xml version="1.0" encoding="utf-8"?>
 <ct:contentTypeSchema xmlns:ct="http://schemas.microsoft.com/office/2006/metadata/contentType" xmlns:ma="http://schemas.microsoft.com/office/2006/metadata/properties/metaAttributes" ct:_="" ma:_="" ma:contentTypeName="Document" ma:contentTypeID="0x01010079F111ED35F8CC479449609E8A0923A6" ma:contentTypeVersion="12" ma:contentTypeDescription="Create a new document." ma:contentTypeScope="" ma:versionID="fa6e671f1cd7e4d96ff9652be322dd5e">
   <xsd:schema xmlns:xsd="http://www.w3.org/2001/XMLSchema" xmlns:xs="http://www.w3.org/2001/XMLSchema" xmlns:p="http://schemas.microsoft.com/office/2006/metadata/properties" xmlns:ns2="71af3243-3dd4-4a8d-8c0d-dd76da1f02a5" xmlns:ns3="16c05727-aa75-4e4a-9b5f-8a80a1165891" targetNamespace="http://schemas.microsoft.com/office/2006/metadata/properties" ma:root="true" ma:fieldsID="4e2496f70b101db0b8013f30a071bbf7" ns2:_="" ns3:_="">
     <xsd:import namespace="71af3243-3dd4-4a8d-8c0d-dd76da1f02a5"/>
@@ -8498,25 +8530,25 @@
 </ct:contentTypeSchema>
 </file>
 
-<file path=customXml/item2.xml><?xml version="1.0" encoding="utf-8"?>
-<?mso-contentType ?>
-<FormTemplates xmlns="http://schemas.microsoft.com/sharepoint/v3/contenttype/forms">
-  <Display>DocumentLibraryForm</Display>
-  <Edit>DocumentLibraryForm</Edit>
-  <New>DocumentLibraryForm</New>
-</FormTemplates>
+<file path=customXml/itemProps1.xml><?xml version="1.0" encoding="utf-8"?>
+<ds:datastoreItem xmlns:ds="http://schemas.openxmlformats.org/officeDocument/2006/customXml" ds:itemID="{F4E32C0B-4052-44CB-9341-8AD8B2CC4712}">
+  <ds:schemaRefs>
+    <ds:schemaRef ds:uri="http://schemas.microsoft.com/office/2006/metadata/properties"/>
+    <ds:schemaRef ds:uri="http://schemas.microsoft.com/office/infopath/2007/PartnerControls"/>
+    <ds:schemaRef ds:uri="71af3243-3dd4-4a8d-8c0d-dd76da1f02a5"/>
+  </ds:schemaRefs>
+</ds:datastoreItem>
 </file>
 
-<file path=customXml/item3.xml><?xml version="1.0" encoding="utf-8"?>
-<p:properties xmlns:p="http://schemas.microsoft.com/office/2006/metadata/properties" xmlns:xsi="http://www.w3.org/2001/XMLSchema-instance" xmlns:pc="http://schemas.microsoft.com/office/infopath/2007/PartnerControls">
-  <documentManagement>
-    <Status xmlns="71af3243-3dd4-4a8d-8c0d-dd76da1f02a5">Not started</Status>
-    <MediaServiceKeyPoints xmlns="71af3243-3dd4-4a8d-8c0d-dd76da1f02a5" xsi:nil="true"/>
-  </documentManagement>
-</p:properties>
+<file path=customXml/itemProps2.xml><?xml version="1.0" encoding="utf-8"?>
+<ds:datastoreItem xmlns:ds="http://schemas.openxmlformats.org/officeDocument/2006/customXml" ds:itemID="{EBB7C387-AFDC-4FE3-A658-984B7F35F155}">
+  <ds:schemaRefs>
+    <ds:schemaRef ds:uri="http://schemas.microsoft.com/sharepoint/v3/contenttype/forms"/>
+  </ds:schemaRefs>
+</ds:datastoreItem>
 </file>
 
-<file path=customXml/itemProps1.xml><?xml version="1.0" encoding="utf-8"?>
+<file path=customXml/itemProps3.xml><?xml version="1.0" encoding="utf-8"?>
 <ds:datastoreItem xmlns:ds="http://schemas.openxmlformats.org/officeDocument/2006/customXml" ds:itemID="{D6766BD6-F648-49AA-B7EC-13E75CECB99A}">
   <ds:schemaRefs>
     <ds:schemaRef ds:uri="http://schemas.microsoft.com/office/2006/metadata/contentType"/>
@@ -8533,22 +8565,4 @@
     <ds:schemaRef ds:uri="http://schemas.microsoft.com/internal/obd"/>
   </ds:schemaRefs>
 </ds:datastoreItem>
-</file>
-
-<file path=customXml/itemProps2.xml><?xml version="1.0" encoding="utf-8"?>
-<ds:datastoreItem xmlns:ds="http://schemas.openxmlformats.org/officeDocument/2006/customXml" ds:itemID="{EBB7C387-AFDC-4FE3-A658-984B7F35F155}">
-  <ds:schemaRefs>
-    <ds:schemaRef ds:uri="http://schemas.microsoft.com/sharepoint/v3/contenttype/forms"/>
-  </ds:schemaRefs>
-</ds:datastoreItem>
-</file>
-
-<file path=customXml/itemProps3.xml><?xml version="1.0" encoding="utf-8"?>
-<ds:datastoreItem xmlns:ds="http://schemas.openxmlformats.org/officeDocument/2006/customXml" ds:itemID="{F4E32C0B-4052-44CB-9341-8AD8B2CC4712}">
-  <ds:schemaRefs>
-    <ds:schemaRef ds:uri="http://schemas.microsoft.com/office/2006/metadata/properties"/>
-    <ds:schemaRef ds:uri="http://schemas.microsoft.com/office/infopath/2007/PartnerControls"/>
-    <ds:schemaRef ds:uri="71af3243-3dd4-4a8d-8c0d-dd76da1f02a5"/>
-  </ds:schemaRefs>
-</ds:datastoreItem>
 </file>